--- a/Figures.pptx
+++ b/Figures.pptx
@@ -6,6 +6,7 @@
   </p:sldMasterIdLst>
   <p:sldIdLst>
     <p:sldId id="257" r:id="rId2"/>
+    <p:sldId id="258" r:id="rId3"/>
   </p:sldIdLst>
   <p:sldSz cx="12192000" cy="6858000"/>
   <p:notesSz cx="6858000" cy="9144000"/>
@@ -104,6 +105,11 @@
       </a:defRPr>
     </a:lvl9pPr>
   </p:defaultTextStyle>
+  <p:extLst>
+    <p:ext uri="{EFAFB233-063F-42B5-8137-9DF3F51BA10A}">
+      <p15:sldGuideLst xmlns:p15="http://schemas.microsoft.com/office/powerpoint/2012/main"/>
+    </p:ext>
+  </p:extLst>
 </p:presentation>
 </file>
 
@@ -238,7 +244,7 @@
           <a:p>
             <a:fld id="{A61EB606-D97F-4CF6-BC2E-287FB4426193}" type="datetimeFigureOut">
               <a:rPr lang="en-US" smtClean="0"/>
-              <a:t>2/19/2017</a:t>
+              <a:t>2/27/2017</a:t>
             </a:fld>
             <a:endParaRPr lang="en-US"/>
           </a:p>
@@ -408,7 +414,7 @@
           <a:p>
             <a:fld id="{A61EB606-D97F-4CF6-BC2E-287FB4426193}" type="datetimeFigureOut">
               <a:rPr lang="en-US" smtClean="0"/>
-              <a:t>2/19/2017</a:t>
+              <a:t>2/27/2017</a:t>
             </a:fld>
             <a:endParaRPr lang="en-US"/>
           </a:p>
@@ -588,7 +594,7 @@
           <a:p>
             <a:fld id="{A61EB606-D97F-4CF6-BC2E-287FB4426193}" type="datetimeFigureOut">
               <a:rPr lang="en-US" smtClean="0"/>
-              <a:t>2/19/2017</a:t>
+              <a:t>2/27/2017</a:t>
             </a:fld>
             <a:endParaRPr lang="en-US"/>
           </a:p>
@@ -758,7 +764,7 @@
           <a:p>
             <a:fld id="{A61EB606-D97F-4CF6-BC2E-287FB4426193}" type="datetimeFigureOut">
               <a:rPr lang="en-US" smtClean="0"/>
-              <a:t>2/19/2017</a:t>
+              <a:t>2/27/2017</a:t>
             </a:fld>
             <a:endParaRPr lang="en-US"/>
           </a:p>
@@ -1004,7 +1010,7 @@
           <a:p>
             <a:fld id="{A61EB606-D97F-4CF6-BC2E-287FB4426193}" type="datetimeFigureOut">
               <a:rPr lang="en-US" smtClean="0"/>
-              <a:t>2/19/2017</a:t>
+              <a:t>2/27/2017</a:t>
             </a:fld>
             <a:endParaRPr lang="en-US"/>
           </a:p>
@@ -1236,7 +1242,7 @@
           <a:p>
             <a:fld id="{A61EB606-D97F-4CF6-BC2E-287FB4426193}" type="datetimeFigureOut">
               <a:rPr lang="en-US" smtClean="0"/>
-              <a:t>2/19/2017</a:t>
+              <a:t>2/27/2017</a:t>
             </a:fld>
             <a:endParaRPr lang="en-US"/>
           </a:p>
@@ -1603,7 +1609,7 @@
           <a:p>
             <a:fld id="{A61EB606-D97F-4CF6-BC2E-287FB4426193}" type="datetimeFigureOut">
               <a:rPr lang="en-US" smtClean="0"/>
-              <a:t>2/19/2017</a:t>
+              <a:t>2/27/2017</a:t>
             </a:fld>
             <a:endParaRPr lang="en-US"/>
           </a:p>
@@ -1721,7 +1727,7 @@
           <a:p>
             <a:fld id="{A61EB606-D97F-4CF6-BC2E-287FB4426193}" type="datetimeFigureOut">
               <a:rPr lang="en-US" smtClean="0"/>
-              <a:t>2/19/2017</a:t>
+              <a:t>2/27/2017</a:t>
             </a:fld>
             <a:endParaRPr lang="en-US"/>
           </a:p>
@@ -1816,7 +1822,7 @@
           <a:p>
             <a:fld id="{A61EB606-D97F-4CF6-BC2E-287FB4426193}" type="datetimeFigureOut">
               <a:rPr lang="en-US" smtClean="0"/>
-              <a:t>2/19/2017</a:t>
+              <a:t>2/27/2017</a:t>
             </a:fld>
             <a:endParaRPr lang="en-US"/>
           </a:p>
@@ -2093,7 +2099,7 @@
           <a:p>
             <a:fld id="{A61EB606-D97F-4CF6-BC2E-287FB4426193}" type="datetimeFigureOut">
               <a:rPr lang="en-US" smtClean="0"/>
-              <a:t>2/19/2017</a:t>
+              <a:t>2/27/2017</a:t>
             </a:fld>
             <a:endParaRPr lang="en-US"/>
           </a:p>
@@ -2346,7 +2352,7 @@
           <a:p>
             <a:fld id="{A61EB606-D97F-4CF6-BC2E-287FB4426193}" type="datetimeFigureOut">
               <a:rPr lang="en-US" smtClean="0"/>
-              <a:t>2/19/2017</a:t>
+              <a:t>2/27/2017</a:t>
             </a:fld>
             <a:endParaRPr lang="en-US"/>
           </a:p>
@@ -2559,7 +2565,7 @@
           <a:p>
             <a:fld id="{A61EB606-D97F-4CF6-BC2E-287FB4426193}" type="datetimeFigureOut">
               <a:rPr lang="en-US" smtClean="0"/>
-              <a:t>2/19/2017</a:t>
+              <a:t>2/27/2017</a:t>
             </a:fld>
             <a:endParaRPr lang="en-US"/>
           </a:p>
@@ -2988,8 +2994,8 @@
           </a:prstGeom>
         </p:spPr>
       </p:pic>
-      <mc:AlternateContent xmlns:mc="http://schemas.openxmlformats.org/markup-compatibility/2006">
-        <mc:Choice xmlns:a14="http://schemas.microsoft.com/office/drawing/2010/main" Requires="a14">
+      <mc:AlternateContent xmlns:mc="http://schemas.openxmlformats.org/markup-compatibility/2006" xmlns:a14="http://schemas.microsoft.com/office/drawing/2010/main">
+        <mc:Choice Requires="a14">
           <p:sp>
             <p:nvSpPr>
               <p:cNvPr id="3" name="TextBox 2"/>
@@ -3012,6 +3018,7 @@
               </a:bodyPr>
               <a:lstStyle/>
               <a:p>
+                <a:pPr/>
                 <a14:m>
                   <m:oMathPara xmlns:m="http://schemas.openxmlformats.org/officeDocument/2006/math">
                     <m:oMathParaPr>
@@ -3051,7 +3058,7 @@
             </p:txBody>
           </p:sp>
         </mc:Choice>
-        <mc:Fallback>
+        <mc:Fallback xmlns="">
           <p:sp>
             <p:nvSpPr>
               <p:cNvPr id="3" name="TextBox 2"/>
@@ -3090,8 +3097,8 @@
           </p:sp>
         </mc:Fallback>
       </mc:AlternateContent>
-      <mc:AlternateContent xmlns:mc="http://schemas.openxmlformats.org/markup-compatibility/2006">
-        <mc:Choice xmlns:a14="http://schemas.microsoft.com/office/drawing/2010/main" Requires="a14">
+      <mc:AlternateContent xmlns:mc="http://schemas.openxmlformats.org/markup-compatibility/2006" xmlns:a14="http://schemas.microsoft.com/office/drawing/2010/main">
+        <mc:Choice Requires="a14">
           <p:sp>
             <p:nvSpPr>
               <p:cNvPr id="4" name="TextBox 3"/>
@@ -3114,6 +3121,7 @@
               </a:bodyPr>
               <a:lstStyle/>
               <a:p>
+                <a:pPr/>
                 <a14:m>
                   <m:oMathPara xmlns:m="http://schemas.openxmlformats.org/officeDocument/2006/math">
                     <m:oMathParaPr>
@@ -3153,7 +3161,7 @@
             </p:txBody>
           </p:sp>
         </mc:Choice>
-        <mc:Fallback>
+        <mc:Fallback xmlns="">
           <p:sp>
             <p:nvSpPr>
               <p:cNvPr id="4" name="TextBox 3"/>
@@ -3192,8 +3200,8 @@
           </p:sp>
         </mc:Fallback>
       </mc:AlternateContent>
-      <mc:AlternateContent xmlns:mc="http://schemas.openxmlformats.org/markup-compatibility/2006">
-        <mc:Choice xmlns:a14="http://schemas.microsoft.com/office/drawing/2010/main" Requires="a14">
+      <mc:AlternateContent xmlns:mc="http://schemas.openxmlformats.org/markup-compatibility/2006" xmlns:a14="http://schemas.microsoft.com/office/drawing/2010/main">
+        <mc:Choice Requires="a14">
           <p:sp>
             <p:nvSpPr>
               <p:cNvPr id="5" name="TextBox 4"/>
@@ -3216,6 +3224,7 @@
               </a:bodyPr>
               <a:lstStyle/>
               <a:p>
+                <a:pPr/>
                 <a14:m>
                   <m:oMathPara xmlns:m="http://schemas.openxmlformats.org/officeDocument/2006/math">
                     <m:oMathParaPr>
@@ -3255,7 +3264,7 @@
             </p:txBody>
           </p:sp>
         </mc:Choice>
-        <mc:Fallback>
+        <mc:Fallback xmlns="">
           <p:sp>
             <p:nvSpPr>
               <p:cNvPr id="5" name="TextBox 4"/>
@@ -3294,8 +3303,8 @@
           </p:sp>
         </mc:Fallback>
       </mc:AlternateContent>
-      <mc:AlternateContent xmlns:mc="http://schemas.openxmlformats.org/markup-compatibility/2006">
-        <mc:Choice xmlns:a14="http://schemas.microsoft.com/office/drawing/2010/main" Requires="a14">
+      <mc:AlternateContent xmlns:mc="http://schemas.openxmlformats.org/markup-compatibility/2006" xmlns:a14="http://schemas.microsoft.com/office/drawing/2010/main">
+        <mc:Choice Requires="a14">
           <p:sp>
             <p:nvSpPr>
               <p:cNvPr id="6" name="TextBox 5"/>
@@ -3318,6 +3327,7 @@
               </a:bodyPr>
               <a:lstStyle/>
               <a:p>
+                <a:pPr/>
                 <a14:m>
                   <m:oMathPara xmlns:m="http://schemas.openxmlformats.org/officeDocument/2006/math">
                     <m:oMathParaPr>
@@ -3357,7 +3367,7 @@
             </p:txBody>
           </p:sp>
         </mc:Choice>
-        <mc:Fallback>
+        <mc:Fallback xmlns="">
           <p:sp>
             <p:nvSpPr>
               <p:cNvPr id="6" name="TextBox 5"/>
@@ -3396,8 +3406,8 @@
           </p:sp>
         </mc:Fallback>
       </mc:AlternateContent>
-      <mc:AlternateContent xmlns:mc="http://schemas.openxmlformats.org/markup-compatibility/2006">
-        <mc:Choice xmlns:a14="http://schemas.microsoft.com/office/drawing/2010/main" Requires="a14">
+      <mc:AlternateContent xmlns:mc="http://schemas.openxmlformats.org/markup-compatibility/2006" xmlns:a14="http://schemas.microsoft.com/office/drawing/2010/main">
+        <mc:Choice Requires="a14">
           <p:sp>
             <p:nvSpPr>
               <p:cNvPr id="7" name="TextBox 6"/>
@@ -3420,6 +3430,7 @@
               </a:bodyPr>
               <a:lstStyle/>
               <a:p>
+                <a:pPr/>
                 <a14:m>
                   <m:oMathPara xmlns:m="http://schemas.openxmlformats.org/officeDocument/2006/math">
                     <m:oMathParaPr>
@@ -3459,7 +3470,7 @@
             </p:txBody>
           </p:sp>
         </mc:Choice>
-        <mc:Fallback>
+        <mc:Fallback xmlns="">
           <p:sp>
             <p:nvSpPr>
               <p:cNvPr id="7" name="TextBox 6"/>
@@ -3498,8 +3509,8 @@
           </p:sp>
         </mc:Fallback>
       </mc:AlternateContent>
-      <mc:AlternateContent xmlns:mc="http://schemas.openxmlformats.org/markup-compatibility/2006">
-        <mc:Choice xmlns:a14="http://schemas.microsoft.com/office/drawing/2010/main" Requires="a14">
+      <mc:AlternateContent xmlns:mc="http://schemas.openxmlformats.org/markup-compatibility/2006" xmlns:a14="http://schemas.microsoft.com/office/drawing/2010/main">
+        <mc:Choice Requires="a14">
           <p:sp>
             <p:nvSpPr>
               <p:cNvPr id="8" name="TextBox 7"/>
@@ -3522,6 +3533,7 @@
               </a:bodyPr>
               <a:lstStyle/>
               <a:p>
+                <a:pPr/>
                 <a14:m>
                   <m:oMathPara xmlns:m="http://schemas.openxmlformats.org/officeDocument/2006/math">
                     <m:oMathParaPr>
@@ -3561,7 +3573,7 @@
             </p:txBody>
           </p:sp>
         </mc:Choice>
-        <mc:Fallback>
+        <mc:Fallback xmlns="">
           <p:sp>
             <p:nvSpPr>
               <p:cNvPr id="8" name="TextBox 7"/>
@@ -3600,8 +3612,8 @@
           </p:sp>
         </mc:Fallback>
       </mc:AlternateContent>
-      <mc:AlternateContent xmlns:mc="http://schemas.openxmlformats.org/markup-compatibility/2006">
-        <mc:Choice xmlns:a14="http://schemas.microsoft.com/office/drawing/2010/main" Requires="a14">
+      <mc:AlternateContent xmlns:mc="http://schemas.openxmlformats.org/markup-compatibility/2006" xmlns:a14="http://schemas.microsoft.com/office/drawing/2010/main">
+        <mc:Choice Requires="a14">
           <p:sp>
             <p:nvSpPr>
               <p:cNvPr id="9" name="TextBox 8"/>
@@ -3624,6 +3636,7 @@
               </a:bodyPr>
               <a:lstStyle/>
               <a:p>
+                <a:pPr/>
                 <a14:m>
                   <m:oMathPara xmlns:m="http://schemas.openxmlformats.org/officeDocument/2006/math">
                     <m:oMathParaPr>
@@ -3663,7 +3676,7 @@
             </p:txBody>
           </p:sp>
         </mc:Choice>
-        <mc:Fallback>
+        <mc:Fallback xmlns="">
           <p:sp>
             <p:nvSpPr>
               <p:cNvPr id="9" name="TextBox 8"/>
@@ -3702,8 +3715,8 @@
           </p:sp>
         </mc:Fallback>
       </mc:AlternateContent>
-      <mc:AlternateContent xmlns:mc="http://schemas.openxmlformats.org/markup-compatibility/2006">
-        <mc:Choice xmlns:a14="http://schemas.microsoft.com/office/drawing/2010/main" Requires="a14">
+      <mc:AlternateContent xmlns:mc="http://schemas.openxmlformats.org/markup-compatibility/2006" xmlns:a14="http://schemas.microsoft.com/office/drawing/2010/main">
+        <mc:Choice Requires="a14">
           <p:sp>
             <p:nvSpPr>
               <p:cNvPr id="10" name="TextBox 9"/>
@@ -3726,6 +3739,7 @@
               </a:bodyPr>
               <a:lstStyle/>
               <a:p>
+                <a:pPr/>
                 <a14:m>
                   <m:oMathPara xmlns:m="http://schemas.openxmlformats.org/officeDocument/2006/math">
                     <m:oMathParaPr>
@@ -3765,7 +3779,7 @@
             </p:txBody>
           </p:sp>
         </mc:Choice>
-        <mc:Fallback>
+        <mc:Fallback xmlns="">
           <p:sp>
             <p:nvSpPr>
               <p:cNvPr id="10" name="TextBox 9"/>
@@ -3804,8 +3818,8 @@
           </p:sp>
         </mc:Fallback>
       </mc:AlternateContent>
-      <mc:AlternateContent xmlns:mc="http://schemas.openxmlformats.org/markup-compatibility/2006">
-        <mc:Choice xmlns:a14="http://schemas.microsoft.com/office/drawing/2010/main" Requires="a14">
+      <mc:AlternateContent xmlns:mc="http://schemas.openxmlformats.org/markup-compatibility/2006" xmlns:a14="http://schemas.microsoft.com/office/drawing/2010/main">
+        <mc:Choice Requires="a14">
           <p:sp>
             <p:nvSpPr>
               <p:cNvPr id="11" name="TextBox 10"/>
@@ -3828,6 +3842,7 @@
               </a:bodyPr>
               <a:lstStyle/>
               <a:p>
+                <a:pPr/>
                 <a14:m>
                   <m:oMathPara xmlns:m="http://schemas.openxmlformats.org/officeDocument/2006/math">
                     <m:oMathParaPr>
@@ -3867,7 +3882,7 @@
             </p:txBody>
           </p:sp>
         </mc:Choice>
-        <mc:Fallback>
+        <mc:Fallback xmlns="">
           <p:sp>
             <p:nvSpPr>
               <p:cNvPr id="11" name="TextBox 10"/>
@@ -3906,8 +3921,8 @@
           </p:sp>
         </mc:Fallback>
       </mc:AlternateContent>
-      <mc:AlternateContent xmlns:mc="http://schemas.openxmlformats.org/markup-compatibility/2006">
-        <mc:Choice xmlns:a14="http://schemas.microsoft.com/office/drawing/2010/main" Requires="a14">
+      <mc:AlternateContent xmlns:mc="http://schemas.openxmlformats.org/markup-compatibility/2006" xmlns:a14="http://schemas.microsoft.com/office/drawing/2010/main">
+        <mc:Choice Requires="a14">
           <p:sp>
             <p:nvSpPr>
               <p:cNvPr id="12" name="TextBox 11"/>
@@ -3930,6 +3945,7 @@
               </a:bodyPr>
               <a:lstStyle/>
               <a:p>
+                <a:pPr/>
                 <a14:m>
                   <m:oMathPara xmlns:m="http://schemas.openxmlformats.org/officeDocument/2006/math">
                     <m:oMathParaPr>
@@ -3969,7 +3985,7 @@
             </p:txBody>
           </p:sp>
         </mc:Choice>
-        <mc:Fallback>
+        <mc:Fallback xmlns="">
           <p:sp>
             <p:nvSpPr>
               <p:cNvPr id="12" name="TextBox 11"/>
@@ -4008,8 +4024,8 @@
           </p:sp>
         </mc:Fallback>
       </mc:AlternateContent>
-      <mc:AlternateContent xmlns:mc="http://schemas.openxmlformats.org/markup-compatibility/2006">
-        <mc:Choice xmlns:a14="http://schemas.microsoft.com/office/drawing/2010/main" Requires="a14">
+      <mc:AlternateContent xmlns:mc="http://schemas.openxmlformats.org/markup-compatibility/2006" xmlns:a14="http://schemas.microsoft.com/office/drawing/2010/main">
+        <mc:Choice Requires="a14">
           <p:sp>
             <p:nvSpPr>
               <p:cNvPr id="13" name="TextBox 12"/>
@@ -4032,6 +4048,7 @@
               </a:bodyPr>
               <a:lstStyle/>
               <a:p>
+                <a:pPr/>
                 <a14:m>
                   <m:oMathPara xmlns:m="http://schemas.openxmlformats.org/officeDocument/2006/math">
                     <m:oMathParaPr>
@@ -4071,7 +4088,7 @@
             </p:txBody>
           </p:sp>
         </mc:Choice>
-        <mc:Fallback>
+        <mc:Fallback xmlns="">
           <p:sp>
             <p:nvSpPr>
               <p:cNvPr id="13" name="TextBox 12"/>
@@ -4110,8 +4127,8 @@
           </p:sp>
         </mc:Fallback>
       </mc:AlternateContent>
-      <mc:AlternateContent xmlns:mc="http://schemas.openxmlformats.org/markup-compatibility/2006">
-        <mc:Choice xmlns:a14="http://schemas.microsoft.com/office/drawing/2010/main" Requires="a14">
+      <mc:AlternateContent xmlns:mc="http://schemas.openxmlformats.org/markup-compatibility/2006" xmlns:a14="http://schemas.microsoft.com/office/drawing/2010/main">
+        <mc:Choice Requires="a14">
           <p:sp>
             <p:nvSpPr>
               <p:cNvPr id="14" name="TextBox 13"/>
@@ -4134,6 +4151,7 @@
               </a:bodyPr>
               <a:lstStyle/>
               <a:p>
+                <a:pPr/>
                 <a14:m>
                   <m:oMathPara xmlns:m="http://schemas.openxmlformats.org/officeDocument/2006/math">
                     <m:oMathParaPr>
@@ -4173,7 +4191,7 @@
             </p:txBody>
           </p:sp>
         </mc:Choice>
-        <mc:Fallback>
+        <mc:Fallback xmlns="">
           <p:sp>
             <p:nvSpPr>
               <p:cNvPr id="14" name="TextBox 13"/>
@@ -4212,8 +4230,8 @@
           </p:sp>
         </mc:Fallback>
       </mc:AlternateContent>
-      <mc:AlternateContent xmlns:mc="http://schemas.openxmlformats.org/markup-compatibility/2006">
-        <mc:Choice xmlns:a14="http://schemas.microsoft.com/office/drawing/2010/main" Requires="a14">
+      <mc:AlternateContent xmlns:mc="http://schemas.openxmlformats.org/markup-compatibility/2006" xmlns:a14="http://schemas.microsoft.com/office/drawing/2010/main">
+        <mc:Choice Requires="a14">
           <p:sp>
             <p:nvSpPr>
               <p:cNvPr id="15" name="TextBox 14"/>
@@ -4236,6 +4254,7 @@
               </a:bodyPr>
               <a:lstStyle/>
               <a:p>
+                <a:pPr/>
                 <a14:m>
                   <m:oMathPara xmlns:m="http://schemas.openxmlformats.org/officeDocument/2006/math">
                     <m:oMathParaPr>
@@ -4275,7 +4294,7 @@
             </p:txBody>
           </p:sp>
         </mc:Choice>
-        <mc:Fallback>
+        <mc:Fallback xmlns="">
           <p:sp>
             <p:nvSpPr>
               <p:cNvPr id="15" name="TextBox 14"/>
@@ -4314,8 +4333,8 @@
           </p:sp>
         </mc:Fallback>
       </mc:AlternateContent>
-      <mc:AlternateContent xmlns:mc="http://schemas.openxmlformats.org/markup-compatibility/2006">
-        <mc:Choice xmlns:a14="http://schemas.microsoft.com/office/drawing/2010/main" Requires="a14">
+      <mc:AlternateContent xmlns:mc="http://schemas.openxmlformats.org/markup-compatibility/2006" xmlns:a14="http://schemas.microsoft.com/office/drawing/2010/main">
+        <mc:Choice Requires="a14">
           <p:sp>
             <p:nvSpPr>
               <p:cNvPr id="16" name="TextBox 15"/>
@@ -4338,6 +4357,7 @@
               </a:bodyPr>
               <a:lstStyle/>
               <a:p>
+                <a:pPr/>
                 <a14:m>
                   <m:oMathPara xmlns:m="http://schemas.openxmlformats.org/officeDocument/2006/math">
                     <m:oMathParaPr>
@@ -4377,7 +4397,7 @@
             </p:txBody>
           </p:sp>
         </mc:Choice>
-        <mc:Fallback>
+        <mc:Fallback xmlns="">
           <p:sp>
             <p:nvSpPr>
               <p:cNvPr id="16" name="TextBox 15"/>
@@ -4416,8 +4436,8 @@
           </p:sp>
         </mc:Fallback>
       </mc:AlternateContent>
-      <mc:AlternateContent xmlns:mc="http://schemas.openxmlformats.org/markup-compatibility/2006">
-        <mc:Choice xmlns:a14="http://schemas.microsoft.com/office/drawing/2010/main" Requires="a14">
+      <mc:AlternateContent xmlns:mc="http://schemas.openxmlformats.org/markup-compatibility/2006" xmlns:a14="http://schemas.microsoft.com/office/drawing/2010/main">
+        <mc:Choice Requires="a14">
           <p:sp>
             <p:nvSpPr>
               <p:cNvPr id="17" name="TextBox 16"/>
@@ -4440,6 +4460,7 @@
               </a:bodyPr>
               <a:lstStyle/>
               <a:p>
+                <a:pPr/>
                 <a14:m>
                   <m:oMathPara xmlns:m="http://schemas.openxmlformats.org/officeDocument/2006/math">
                     <m:oMathParaPr>
@@ -4479,7 +4500,7 @@
             </p:txBody>
           </p:sp>
         </mc:Choice>
-        <mc:Fallback>
+        <mc:Fallback xmlns="">
           <p:sp>
             <p:nvSpPr>
               <p:cNvPr id="17" name="TextBox 16"/>
@@ -4518,8 +4539,8 @@
           </p:sp>
         </mc:Fallback>
       </mc:AlternateContent>
-      <mc:AlternateContent xmlns:mc="http://schemas.openxmlformats.org/markup-compatibility/2006">
-        <mc:Choice xmlns:a14="http://schemas.microsoft.com/office/drawing/2010/main" Requires="a14">
+      <mc:AlternateContent xmlns:mc="http://schemas.openxmlformats.org/markup-compatibility/2006" xmlns:a14="http://schemas.microsoft.com/office/drawing/2010/main">
+        <mc:Choice Requires="a14">
           <p:sp>
             <p:nvSpPr>
               <p:cNvPr id="18" name="TextBox 17"/>
@@ -4542,6 +4563,7 @@
               </a:bodyPr>
               <a:lstStyle/>
               <a:p>
+                <a:pPr/>
                 <a14:m>
                   <m:oMathPara xmlns:m="http://schemas.openxmlformats.org/officeDocument/2006/math">
                     <m:oMathParaPr>
@@ -4581,7 +4603,7 @@
             </p:txBody>
           </p:sp>
         </mc:Choice>
-        <mc:Fallback>
+        <mc:Fallback xmlns="">
           <p:sp>
             <p:nvSpPr>
               <p:cNvPr id="18" name="TextBox 17"/>
@@ -4620,8 +4642,8 @@
           </p:sp>
         </mc:Fallback>
       </mc:AlternateContent>
-      <mc:AlternateContent xmlns:mc="http://schemas.openxmlformats.org/markup-compatibility/2006">
-        <mc:Choice xmlns:a14="http://schemas.microsoft.com/office/drawing/2010/main" Requires="a14">
+      <mc:AlternateContent xmlns:mc="http://schemas.openxmlformats.org/markup-compatibility/2006" xmlns:a14="http://schemas.microsoft.com/office/drawing/2010/main">
+        <mc:Choice Requires="a14">
           <p:sp>
             <p:nvSpPr>
               <p:cNvPr id="19" name="TextBox 18"/>
@@ -4644,6 +4666,7 @@
               </a:bodyPr>
               <a:lstStyle/>
               <a:p>
+                <a:pPr/>
                 <a14:m>
                   <m:oMathPara xmlns:m="http://schemas.openxmlformats.org/officeDocument/2006/math">
                     <m:oMathParaPr>
@@ -4683,7 +4706,7 @@
             </p:txBody>
           </p:sp>
         </mc:Choice>
-        <mc:Fallback>
+        <mc:Fallback xmlns="">
           <p:sp>
             <p:nvSpPr>
               <p:cNvPr id="19" name="TextBox 18"/>
@@ -4722,8 +4745,8 @@
           </p:sp>
         </mc:Fallback>
       </mc:AlternateContent>
-      <mc:AlternateContent xmlns:mc="http://schemas.openxmlformats.org/markup-compatibility/2006">
-        <mc:Choice xmlns:a14="http://schemas.microsoft.com/office/drawing/2010/main" Requires="a14">
+      <mc:AlternateContent xmlns:mc="http://schemas.openxmlformats.org/markup-compatibility/2006" xmlns:a14="http://schemas.microsoft.com/office/drawing/2010/main">
+        <mc:Choice Requires="a14">
           <p:sp>
             <p:nvSpPr>
               <p:cNvPr id="20" name="TextBox 19"/>
@@ -4746,6 +4769,7 @@
               </a:bodyPr>
               <a:lstStyle/>
               <a:p>
+                <a:pPr/>
                 <a14:m>
                   <m:oMathPara xmlns:m="http://schemas.openxmlformats.org/officeDocument/2006/math">
                     <m:oMathParaPr>
@@ -4785,7 +4809,7 @@
             </p:txBody>
           </p:sp>
         </mc:Choice>
-        <mc:Fallback>
+        <mc:Fallback xmlns="">
           <p:sp>
             <p:nvSpPr>
               <p:cNvPr id="20" name="TextBox 19"/>
@@ -5391,6 +5415,2584 @@
   <p:clrMapOvr>
     <a:masterClrMapping/>
   </p:clrMapOvr>
+  <p:timing>
+    <p:tnLst>
+      <p:par>
+        <p:cTn id="1" dur="indefinite" restart="never" nodeType="tmRoot"/>
+      </p:par>
+    </p:tnLst>
+  </p:timing>
+</p:sld>
+</file>
+
+<file path=ppt/slides/slide2.xml><?xml version="1.0" encoding="utf-8"?>
+<p:sld xmlns:a="http://schemas.openxmlformats.org/drawingml/2006/main" xmlns:r="http://schemas.openxmlformats.org/officeDocument/2006/relationships" xmlns:p="http://schemas.openxmlformats.org/presentationml/2006/main">
+  <p:cSld>
+    <p:spTree>
+      <p:nvGrpSpPr>
+        <p:cNvPr id="1" name=""/>
+        <p:cNvGrpSpPr/>
+        <p:nvPr/>
+      </p:nvGrpSpPr>
+      <p:grpSpPr>
+        <a:xfrm>
+          <a:off x="0" y="0"/>
+          <a:ext cx="0" cy="0"/>
+          <a:chOff x="0" y="0"/>
+          <a:chExt cx="0" cy="0"/>
+        </a:xfrm>
+      </p:grpSpPr>
+      <p:pic>
+        <p:nvPicPr>
+          <p:cNvPr id="3" name="Picture 2"/>
+          <p:cNvPicPr>
+            <a:picLocks noChangeAspect="1"/>
+          </p:cNvPicPr>
+          <p:nvPr/>
+        </p:nvPicPr>
+        <p:blipFill>
+          <a:blip r:embed="rId2"/>
+          <a:stretch>
+            <a:fillRect/>
+          </a:stretch>
+        </p:blipFill>
+        <p:spPr>
+          <a:xfrm>
+            <a:off x="673267" y="1111918"/>
+            <a:ext cx="5695950" cy="5067300"/>
+          </a:xfrm>
+          <a:prstGeom prst="rect">
+            <a:avLst/>
+          </a:prstGeom>
+        </p:spPr>
+      </p:pic>
+      <mc:AlternateContent xmlns:mc="http://schemas.openxmlformats.org/markup-compatibility/2006">
+        <mc:Choice xmlns:a14="http://schemas.microsoft.com/office/drawing/2010/main" Requires="a14">
+          <p:sp>
+            <p:nvSpPr>
+              <p:cNvPr id="4" name="TextBox 3"/>
+              <p:cNvSpPr txBox="1"/>
+              <p:nvPr/>
+            </p:nvSpPr>
+            <p:spPr>
+              <a:xfrm>
+                <a:off x="4367463" y="1576137"/>
+                <a:ext cx="467692" cy="369332"/>
+              </a:xfrm>
+              <a:prstGeom prst="rect">
+                <a:avLst/>
+              </a:prstGeom>
+              <a:noFill/>
+            </p:spPr>
+            <p:txBody>
+              <a:bodyPr wrap="none" rtlCol="0">
+                <a:spAutoFit/>
+              </a:bodyPr>
+              <a:lstStyle/>
+              <a:p>
+                <a14:m>
+                  <m:oMathPara xmlns:m="http://schemas.openxmlformats.org/officeDocument/2006/math">
+                    <m:oMathParaPr>
+                      <m:jc m:val="centerGroup"/>
+                    </m:oMathParaPr>
+                    <m:oMath xmlns:m="http://schemas.openxmlformats.org/officeDocument/2006/math">
+                      <m:sSub>
+                        <m:sSubPr>
+                          <m:ctrlPr>
+                            <a:rPr lang="en-US" b="0" i="1" smtClean="0">
+                              <a:latin typeface="Cambria Math" panose="02040503050406030204" pitchFamily="18" charset="0"/>
+                            </a:rPr>
+                          </m:ctrlPr>
+                        </m:sSubPr>
+                        <m:e>
+                          <m:r>
+                            <a:rPr lang="en-US" b="0" i="1" smtClean="0">
+                              <a:latin typeface="Cambria Math" panose="02040503050406030204" pitchFamily="18" charset="0"/>
+                            </a:rPr>
+                            <m:t>𝑣</m:t>
+                          </m:r>
+                        </m:e>
+                        <m:sub>
+                          <m:r>
+                            <a:rPr lang="en-US" b="0" i="1" smtClean="0">
+                              <a:latin typeface="Cambria Math" panose="02040503050406030204" pitchFamily="18" charset="0"/>
+                            </a:rPr>
+                            <m:t>0</m:t>
+                          </m:r>
+                        </m:sub>
+                      </m:sSub>
+                    </m:oMath>
+                  </m:oMathPara>
+                </a14:m>
+                <a:endParaRPr lang="en-US" dirty="0"/>
+              </a:p>
+            </p:txBody>
+          </p:sp>
+        </mc:Choice>
+        <mc:Fallback>
+          <p:sp>
+            <p:nvSpPr>
+              <p:cNvPr id="4" name="TextBox 3"/>
+              <p:cNvSpPr txBox="1">
+                <a:spLocks noRot="1" noChangeAspect="1" noMove="1" noResize="1" noEditPoints="1" noAdjustHandles="1" noChangeArrowheads="1" noChangeShapeType="1" noTextEdit="1"/>
+              </p:cNvSpPr>
+              <p:nvPr/>
+            </p:nvSpPr>
+            <p:spPr>
+              <a:xfrm>
+                <a:off x="4367463" y="1576137"/>
+                <a:ext cx="467692" cy="369332"/>
+              </a:xfrm>
+              <a:prstGeom prst="rect">
+                <a:avLst/>
+              </a:prstGeom>
+              <a:blipFill rotWithShape="0">
+                <a:blip r:embed="rId3"/>
+                <a:stretch>
+                  <a:fillRect/>
+                </a:stretch>
+              </a:blipFill>
+            </p:spPr>
+            <p:txBody>
+              <a:bodyPr/>
+              <a:lstStyle/>
+              <a:p>
+                <a:r>
+                  <a:rPr lang="en-US">
+                    <a:noFill/>
+                  </a:rPr>
+                  <a:t> </a:t>
+                </a:r>
+              </a:p>
+            </p:txBody>
+          </p:sp>
+        </mc:Fallback>
+      </mc:AlternateContent>
+      <mc:AlternateContent xmlns:mc="http://schemas.openxmlformats.org/markup-compatibility/2006">
+        <mc:Choice xmlns:a14="http://schemas.microsoft.com/office/drawing/2010/main" Requires="a14">
+          <p:sp>
+            <p:nvSpPr>
+              <p:cNvPr id="5" name="TextBox 4"/>
+              <p:cNvSpPr txBox="1"/>
+              <p:nvPr/>
+            </p:nvSpPr>
+            <p:spPr>
+              <a:xfrm>
+                <a:off x="5001127" y="1475874"/>
+                <a:ext cx="462370" cy="369332"/>
+              </a:xfrm>
+              <a:prstGeom prst="rect">
+                <a:avLst/>
+              </a:prstGeom>
+              <a:noFill/>
+            </p:spPr>
+            <p:txBody>
+              <a:bodyPr wrap="none" rtlCol="0">
+                <a:spAutoFit/>
+              </a:bodyPr>
+              <a:lstStyle/>
+              <a:p>
+                <a14:m>
+                  <m:oMathPara xmlns:m="http://schemas.openxmlformats.org/officeDocument/2006/math">
+                    <m:oMathParaPr>
+                      <m:jc m:val="centerGroup"/>
+                    </m:oMathParaPr>
+                    <m:oMath xmlns:m="http://schemas.openxmlformats.org/officeDocument/2006/math">
+                      <m:sSub>
+                        <m:sSubPr>
+                          <m:ctrlPr>
+                            <a:rPr lang="en-US" b="0" i="1" smtClean="0">
+                              <a:latin typeface="Cambria Math" panose="02040503050406030204" pitchFamily="18" charset="0"/>
+                            </a:rPr>
+                          </m:ctrlPr>
+                        </m:sSubPr>
+                        <m:e>
+                          <m:r>
+                            <a:rPr lang="en-US" b="0" i="1" smtClean="0">
+                              <a:latin typeface="Cambria Math" panose="02040503050406030204" pitchFamily="18" charset="0"/>
+                            </a:rPr>
+                            <m:t>𝑣</m:t>
+                          </m:r>
+                        </m:e>
+                        <m:sub>
+                          <m:r>
+                            <a:rPr lang="en-US" b="0" i="1" smtClean="0">
+                              <a:latin typeface="Cambria Math" panose="02040503050406030204" pitchFamily="18" charset="0"/>
+                            </a:rPr>
+                            <m:t>1</m:t>
+                          </m:r>
+                        </m:sub>
+                      </m:sSub>
+                    </m:oMath>
+                  </m:oMathPara>
+                </a14:m>
+                <a:endParaRPr lang="en-US" dirty="0"/>
+              </a:p>
+            </p:txBody>
+          </p:sp>
+        </mc:Choice>
+        <mc:Fallback>
+          <p:sp>
+            <p:nvSpPr>
+              <p:cNvPr id="5" name="TextBox 4"/>
+              <p:cNvSpPr txBox="1">
+                <a:spLocks noRot="1" noChangeAspect="1" noMove="1" noResize="1" noEditPoints="1" noAdjustHandles="1" noChangeArrowheads="1" noChangeShapeType="1" noTextEdit="1"/>
+              </p:cNvSpPr>
+              <p:nvPr/>
+            </p:nvSpPr>
+            <p:spPr>
+              <a:xfrm>
+                <a:off x="5001127" y="1475874"/>
+                <a:ext cx="462370" cy="369332"/>
+              </a:xfrm>
+              <a:prstGeom prst="rect">
+                <a:avLst/>
+              </a:prstGeom>
+              <a:blipFill rotWithShape="0">
+                <a:blip r:embed="rId4"/>
+                <a:stretch>
+                  <a:fillRect/>
+                </a:stretch>
+              </a:blipFill>
+            </p:spPr>
+            <p:txBody>
+              <a:bodyPr/>
+              <a:lstStyle/>
+              <a:p>
+                <a:r>
+                  <a:rPr lang="en-US">
+                    <a:noFill/>
+                  </a:rPr>
+                  <a:t> </a:t>
+                </a:r>
+              </a:p>
+            </p:txBody>
+          </p:sp>
+        </mc:Fallback>
+      </mc:AlternateContent>
+      <mc:AlternateContent xmlns:mc="http://schemas.openxmlformats.org/markup-compatibility/2006">
+        <mc:Choice xmlns:a14="http://schemas.microsoft.com/office/drawing/2010/main" Requires="a14">
+          <p:sp>
+            <p:nvSpPr>
+              <p:cNvPr id="6" name="TextBox 5"/>
+              <p:cNvSpPr txBox="1"/>
+              <p:nvPr/>
+            </p:nvSpPr>
+            <p:spPr>
+              <a:xfrm>
+                <a:off x="3483722" y="2807369"/>
+                <a:ext cx="467692" cy="369332"/>
+              </a:xfrm>
+              <a:prstGeom prst="rect">
+                <a:avLst/>
+              </a:prstGeom>
+              <a:noFill/>
+            </p:spPr>
+            <p:txBody>
+              <a:bodyPr wrap="none" rtlCol="0">
+                <a:spAutoFit/>
+              </a:bodyPr>
+              <a:lstStyle/>
+              <a:p>
+                <a14:m>
+                  <m:oMathPara xmlns:m="http://schemas.openxmlformats.org/officeDocument/2006/math">
+                    <m:oMathParaPr>
+                      <m:jc m:val="centerGroup"/>
+                    </m:oMathParaPr>
+                    <m:oMath xmlns:m="http://schemas.openxmlformats.org/officeDocument/2006/math">
+                      <m:sSub>
+                        <m:sSubPr>
+                          <m:ctrlPr>
+                            <a:rPr lang="en-US" b="0" i="1" smtClean="0">
+                              <a:latin typeface="Cambria Math" panose="02040503050406030204" pitchFamily="18" charset="0"/>
+                            </a:rPr>
+                          </m:ctrlPr>
+                        </m:sSubPr>
+                        <m:e>
+                          <m:r>
+                            <a:rPr lang="en-US" b="0" i="1" smtClean="0">
+                              <a:latin typeface="Cambria Math" panose="02040503050406030204" pitchFamily="18" charset="0"/>
+                            </a:rPr>
+                            <m:t>𝑣</m:t>
+                          </m:r>
+                        </m:e>
+                        <m:sub>
+                          <m:r>
+                            <a:rPr lang="en-US" b="0" i="1" smtClean="0">
+                              <a:latin typeface="Cambria Math" panose="02040503050406030204" pitchFamily="18" charset="0"/>
+                            </a:rPr>
+                            <m:t>2</m:t>
+                          </m:r>
+                        </m:sub>
+                      </m:sSub>
+                    </m:oMath>
+                  </m:oMathPara>
+                </a14:m>
+                <a:endParaRPr lang="en-US" dirty="0"/>
+              </a:p>
+            </p:txBody>
+          </p:sp>
+        </mc:Choice>
+        <mc:Fallback>
+          <p:sp>
+            <p:nvSpPr>
+              <p:cNvPr id="6" name="TextBox 5"/>
+              <p:cNvSpPr txBox="1">
+                <a:spLocks noRot="1" noChangeAspect="1" noMove="1" noResize="1" noEditPoints="1" noAdjustHandles="1" noChangeArrowheads="1" noChangeShapeType="1" noTextEdit="1"/>
+              </p:cNvSpPr>
+              <p:nvPr/>
+            </p:nvSpPr>
+            <p:spPr>
+              <a:xfrm>
+                <a:off x="3483722" y="2807369"/>
+                <a:ext cx="467692" cy="369332"/>
+              </a:xfrm>
+              <a:prstGeom prst="rect">
+                <a:avLst/>
+              </a:prstGeom>
+              <a:blipFill rotWithShape="0">
+                <a:blip r:embed="rId5"/>
+                <a:stretch>
+                  <a:fillRect/>
+                </a:stretch>
+              </a:blipFill>
+            </p:spPr>
+            <p:txBody>
+              <a:bodyPr/>
+              <a:lstStyle/>
+              <a:p>
+                <a:r>
+                  <a:rPr lang="en-US">
+                    <a:noFill/>
+                  </a:rPr>
+                  <a:t> </a:t>
+                </a:r>
+              </a:p>
+            </p:txBody>
+          </p:sp>
+        </mc:Fallback>
+      </mc:AlternateContent>
+      <mc:AlternateContent xmlns:mc="http://schemas.openxmlformats.org/markup-compatibility/2006">
+        <mc:Choice xmlns:a14="http://schemas.microsoft.com/office/drawing/2010/main" Requires="a14">
+          <p:sp>
+            <p:nvSpPr>
+              <p:cNvPr id="7" name="TextBox 6"/>
+              <p:cNvSpPr txBox="1"/>
+              <p:nvPr/>
+            </p:nvSpPr>
+            <p:spPr>
+              <a:xfrm>
+                <a:off x="3315091" y="3853751"/>
+                <a:ext cx="467692" cy="369332"/>
+              </a:xfrm>
+              <a:prstGeom prst="rect">
+                <a:avLst/>
+              </a:prstGeom>
+              <a:noFill/>
+            </p:spPr>
+            <p:txBody>
+              <a:bodyPr wrap="none" rtlCol="0">
+                <a:spAutoFit/>
+              </a:bodyPr>
+              <a:lstStyle/>
+              <a:p>
+                <a14:m>
+                  <m:oMathPara xmlns:m="http://schemas.openxmlformats.org/officeDocument/2006/math">
+                    <m:oMathParaPr>
+                      <m:jc m:val="centerGroup"/>
+                    </m:oMathParaPr>
+                    <m:oMath xmlns:m="http://schemas.openxmlformats.org/officeDocument/2006/math">
+                      <m:sSub>
+                        <m:sSubPr>
+                          <m:ctrlPr>
+                            <a:rPr lang="en-US" b="0" i="1" smtClean="0">
+                              <a:latin typeface="Cambria Math" panose="02040503050406030204" pitchFamily="18" charset="0"/>
+                            </a:rPr>
+                          </m:ctrlPr>
+                        </m:sSubPr>
+                        <m:e>
+                          <m:r>
+                            <a:rPr lang="en-US" b="0" i="1" smtClean="0">
+                              <a:latin typeface="Cambria Math" panose="02040503050406030204" pitchFamily="18" charset="0"/>
+                            </a:rPr>
+                            <m:t>𝑣</m:t>
+                          </m:r>
+                        </m:e>
+                        <m:sub>
+                          <m:r>
+                            <a:rPr lang="en-US" b="0" i="1" smtClean="0">
+                              <a:latin typeface="Cambria Math" panose="02040503050406030204" pitchFamily="18" charset="0"/>
+                            </a:rPr>
+                            <m:t>3</m:t>
+                          </m:r>
+                        </m:sub>
+                      </m:sSub>
+                    </m:oMath>
+                  </m:oMathPara>
+                </a14:m>
+                <a:endParaRPr lang="en-US" dirty="0"/>
+              </a:p>
+            </p:txBody>
+          </p:sp>
+        </mc:Choice>
+        <mc:Fallback>
+          <p:sp>
+            <p:nvSpPr>
+              <p:cNvPr id="7" name="TextBox 6"/>
+              <p:cNvSpPr txBox="1">
+                <a:spLocks noRot="1" noChangeAspect="1" noMove="1" noResize="1" noEditPoints="1" noAdjustHandles="1" noChangeArrowheads="1" noChangeShapeType="1" noTextEdit="1"/>
+              </p:cNvSpPr>
+              <p:nvPr/>
+            </p:nvSpPr>
+            <p:spPr>
+              <a:xfrm>
+                <a:off x="3315091" y="3853751"/>
+                <a:ext cx="467692" cy="369332"/>
+              </a:xfrm>
+              <a:prstGeom prst="rect">
+                <a:avLst/>
+              </a:prstGeom>
+              <a:blipFill rotWithShape="0">
+                <a:blip r:embed="rId6"/>
+                <a:stretch>
+                  <a:fillRect/>
+                </a:stretch>
+              </a:blipFill>
+            </p:spPr>
+            <p:txBody>
+              <a:bodyPr/>
+              <a:lstStyle/>
+              <a:p>
+                <a:r>
+                  <a:rPr lang="en-US">
+                    <a:noFill/>
+                  </a:rPr>
+                  <a:t> </a:t>
+                </a:r>
+              </a:p>
+            </p:txBody>
+          </p:sp>
+        </mc:Fallback>
+      </mc:AlternateContent>
+      <mc:AlternateContent xmlns:mc="http://schemas.openxmlformats.org/markup-compatibility/2006">
+        <mc:Choice xmlns:a14="http://schemas.microsoft.com/office/drawing/2010/main" Requires="a14">
+          <p:sp>
+            <p:nvSpPr>
+              <p:cNvPr id="8" name="TextBox 7"/>
+              <p:cNvSpPr txBox="1"/>
+              <p:nvPr/>
+            </p:nvSpPr>
+            <p:spPr>
+              <a:xfrm>
+                <a:off x="3053550" y="1528284"/>
+                <a:ext cx="457818" cy="369332"/>
+              </a:xfrm>
+              <a:prstGeom prst="rect">
+                <a:avLst/>
+              </a:prstGeom>
+              <a:noFill/>
+            </p:spPr>
+            <p:txBody>
+              <a:bodyPr wrap="none" rtlCol="0">
+                <a:spAutoFit/>
+              </a:bodyPr>
+              <a:lstStyle/>
+              <a:p>
+                <a14:m>
+                  <m:oMathPara xmlns:m="http://schemas.openxmlformats.org/officeDocument/2006/math">
+                    <m:oMathParaPr>
+                      <m:jc m:val="centerGroup"/>
+                    </m:oMathParaPr>
+                    <m:oMath xmlns:m="http://schemas.openxmlformats.org/officeDocument/2006/math">
+                      <m:sSub>
+                        <m:sSubPr>
+                          <m:ctrlPr>
+                            <a:rPr lang="en-US" b="0" i="1" smtClean="0">
+                              <a:latin typeface="Cambria Math" panose="02040503050406030204" pitchFamily="18" charset="0"/>
+                            </a:rPr>
+                          </m:ctrlPr>
+                        </m:sSubPr>
+                        <m:e>
+                          <m:r>
+                            <a:rPr lang="en-US" b="0" i="1" smtClean="0">
+                              <a:latin typeface="Cambria Math" panose="02040503050406030204" pitchFamily="18" charset="0"/>
+                            </a:rPr>
+                            <m:t>𝑣</m:t>
+                          </m:r>
+                        </m:e>
+                        <m:sub>
+                          <m:r>
+                            <a:rPr lang="en-US" b="0" i="1" smtClean="0">
+                              <a:latin typeface="Cambria Math" panose="02040503050406030204" pitchFamily="18" charset="0"/>
+                            </a:rPr>
+                            <m:t>4</m:t>
+                          </m:r>
+                        </m:sub>
+                      </m:sSub>
+                    </m:oMath>
+                  </m:oMathPara>
+                </a14:m>
+                <a:endParaRPr lang="en-US" dirty="0"/>
+              </a:p>
+            </p:txBody>
+          </p:sp>
+        </mc:Choice>
+        <mc:Fallback>
+          <p:sp>
+            <p:nvSpPr>
+              <p:cNvPr id="8" name="TextBox 7"/>
+              <p:cNvSpPr txBox="1">
+                <a:spLocks noRot="1" noChangeAspect="1" noMove="1" noResize="1" noEditPoints="1" noAdjustHandles="1" noChangeArrowheads="1" noChangeShapeType="1" noTextEdit="1"/>
+              </p:cNvSpPr>
+              <p:nvPr/>
+            </p:nvSpPr>
+            <p:spPr>
+              <a:xfrm>
+                <a:off x="3053550" y="1528284"/>
+                <a:ext cx="457818" cy="369332"/>
+              </a:xfrm>
+              <a:prstGeom prst="rect">
+                <a:avLst/>
+              </a:prstGeom>
+              <a:blipFill rotWithShape="0">
+                <a:blip r:embed="rId7"/>
+                <a:stretch>
+                  <a:fillRect/>
+                </a:stretch>
+              </a:blipFill>
+            </p:spPr>
+            <p:txBody>
+              <a:bodyPr/>
+              <a:lstStyle/>
+              <a:p>
+                <a:r>
+                  <a:rPr lang="en-US">
+                    <a:noFill/>
+                  </a:rPr>
+                  <a:t> </a:t>
+                </a:r>
+              </a:p>
+            </p:txBody>
+          </p:sp>
+        </mc:Fallback>
+      </mc:AlternateContent>
+      <mc:AlternateContent xmlns:mc="http://schemas.openxmlformats.org/markup-compatibility/2006">
+        <mc:Choice xmlns:a14="http://schemas.microsoft.com/office/drawing/2010/main" Requires="a14">
+          <p:sp>
+            <p:nvSpPr>
+              <p:cNvPr id="9" name="TextBox 8"/>
+              <p:cNvSpPr txBox="1"/>
+              <p:nvPr/>
+            </p:nvSpPr>
+            <p:spPr>
+              <a:xfrm>
+                <a:off x="2159204" y="3364647"/>
+                <a:ext cx="467692" cy="369332"/>
+              </a:xfrm>
+              <a:prstGeom prst="rect">
+                <a:avLst/>
+              </a:prstGeom>
+              <a:noFill/>
+            </p:spPr>
+            <p:txBody>
+              <a:bodyPr wrap="none" rtlCol="0">
+                <a:spAutoFit/>
+              </a:bodyPr>
+              <a:lstStyle/>
+              <a:p>
+                <a14:m>
+                  <m:oMathPara xmlns:m="http://schemas.openxmlformats.org/officeDocument/2006/math">
+                    <m:oMathParaPr>
+                      <m:jc m:val="centerGroup"/>
+                    </m:oMathParaPr>
+                    <m:oMath xmlns:m="http://schemas.openxmlformats.org/officeDocument/2006/math">
+                      <m:sSub>
+                        <m:sSubPr>
+                          <m:ctrlPr>
+                            <a:rPr lang="en-US" b="0" i="1" smtClean="0">
+                              <a:latin typeface="Cambria Math" panose="02040503050406030204" pitchFamily="18" charset="0"/>
+                            </a:rPr>
+                          </m:ctrlPr>
+                        </m:sSubPr>
+                        <m:e>
+                          <m:r>
+                            <a:rPr lang="en-US" b="0" i="1" smtClean="0">
+                              <a:latin typeface="Cambria Math" panose="02040503050406030204" pitchFamily="18" charset="0"/>
+                            </a:rPr>
+                            <m:t>𝑣</m:t>
+                          </m:r>
+                        </m:e>
+                        <m:sub>
+                          <m:r>
+                            <a:rPr lang="en-US" b="0" i="1" smtClean="0">
+                              <a:latin typeface="Cambria Math" panose="02040503050406030204" pitchFamily="18" charset="0"/>
+                            </a:rPr>
+                            <m:t>5</m:t>
+                          </m:r>
+                        </m:sub>
+                      </m:sSub>
+                    </m:oMath>
+                  </m:oMathPara>
+                </a14:m>
+                <a:endParaRPr lang="en-US" dirty="0"/>
+              </a:p>
+            </p:txBody>
+          </p:sp>
+        </mc:Choice>
+        <mc:Fallback>
+          <p:sp>
+            <p:nvSpPr>
+              <p:cNvPr id="9" name="TextBox 8"/>
+              <p:cNvSpPr txBox="1">
+                <a:spLocks noRot="1" noChangeAspect="1" noMove="1" noResize="1" noEditPoints="1" noAdjustHandles="1" noChangeArrowheads="1" noChangeShapeType="1" noTextEdit="1"/>
+              </p:cNvSpPr>
+              <p:nvPr/>
+            </p:nvSpPr>
+            <p:spPr>
+              <a:xfrm>
+                <a:off x="2159204" y="3364647"/>
+                <a:ext cx="467692" cy="369332"/>
+              </a:xfrm>
+              <a:prstGeom prst="rect">
+                <a:avLst/>
+              </a:prstGeom>
+              <a:blipFill rotWithShape="0">
+                <a:blip r:embed="rId8"/>
+                <a:stretch>
+                  <a:fillRect/>
+                </a:stretch>
+              </a:blipFill>
+            </p:spPr>
+            <p:txBody>
+              <a:bodyPr/>
+              <a:lstStyle/>
+              <a:p>
+                <a:r>
+                  <a:rPr lang="en-US">
+                    <a:noFill/>
+                  </a:rPr>
+                  <a:t> </a:t>
+                </a:r>
+              </a:p>
+            </p:txBody>
+          </p:sp>
+        </mc:Fallback>
+      </mc:AlternateContent>
+      <mc:AlternateContent xmlns:mc="http://schemas.openxmlformats.org/markup-compatibility/2006">
+        <mc:Choice xmlns:a14="http://schemas.microsoft.com/office/drawing/2010/main" Requires="a14">
+          <p:sp>
+            <p:nvSpPr>
+              <p:cNvPr id="10" name="TextBox 9"/>
+              <p:cNvSpPr txBox="1"/>
+              <p:nvPr/>
+            </p:nvSpPr>
+            <p:spPr>
+              <a:xfrm>
+                <a:off x="2159204" y="2586607"/>
+                <a:ext cx="467692" cy="369332"/>
+              </a:xfrm>
+              <a:prstGeom prst="rect">
+                <a:avLst/>
+              </a:prstGeom>
+              <a:noFill/>
+            </p:spPr>
+            <p:txBody>
+              <a:bodyPr wrap="none" rtlCol="0">
+                <a:spAutoFit/>
+              </a:bodyPr>
+              <a:lstStyle/>
+              <a:p>
+                <a14:m>
+                  <m:oMathPara xmlns:m="http://schemas.openxmlformats.org/officeDocument/2006/math">
+                    <m:oMathParaPr>
+                      <m:jc m:val="centerGroup"/>
+                    </m:oMathParaPr>
+                    <m:oMath xmlns:m="http://schemas.openxmlformats.org/officeDocument/2006/math">
+                      <m:sSub>
+                        <m:sSubPr>
+                          <m:ctrlPr>
+                            <a:rPr lang="en-US" b="0" i="1" smtClean="0">
+                              <a:latin typeface="Cambria Math" panose="02040503050406030204" pitchFamily="18" charset="0"/>
+                            </a:rPr>
+                          </m:ctrlPr>
+                        </m:sSubPr>
+                        <m:e>
+                          <m:r>
+                            <a:rPr lang="en-US" b="0" i="1" smtClean="0">
+                              <a:latin typeface="Cambria Math" panose="02040503050406030204" pitchFamily="18" charset="0"/>
+                            </a:rPr>
+                            <m:t>𝑣</m:t>
+                          </m:r>
+                        </m:e>
+                        <m:sub>
+                          <m:r>
+                            <a:rPr lang="en-US" b="0" i="1" smtClean="0">
+                              <a:latin typeface="Cambria Math" panose="02040503050406030204" pitchFamily="18" charset="0"/>
+                            </a:rPr>
+                            <m:t>6</m:t>
+                          </m:r>
+                        </m:sub>
+                      </m:sSub>
+                    </m:oMath>
+                  </m:oMathPara>
+                </a14:m>
+                <a:endParaRPr lang="en-US" dirty="0"/>
+              </a:p>
+            </p:txBody>
+          </p:sp>
+        </mc:Choice>
+        <mc:Fallback>
+          <p:sp>
+            <p:nvSpPr>
+              <p:cNvPr id="10" name="TextBox 9"/>
+              <p:cNvSpPr txBox="1">
+                <a:spLocks noRot="1" noChangeAspect="1" noMove="1" noResize="1" noEditPoints="1" noAdjustHandles="1" noChangeArrowheads="1" noChangeShapeType="1" noTextEdit="1"/>
+              </p:cNvSpPr>
+              <p:nvPr/>
+            </p:nvSpPr>
+            <p:spPr>
+              <a:xfrm>
+                <a:off x="2159204" y="2586607"/>
+                <a:ext cx="467692" cy="369332"/>
+              </a:xfrm>
+              <a:prstGeom prst="rect">
+                <a:avLst/>
+              </a:prstGeom>
+              <a:blipFill rotWithShape="0">
+                <a:blip r:embed="rId9"/>
+                <a:stretch>
+                  <a:fillRect/>
+                </a:stretch>
+              </a:blipFill>
+            </p:spPr>
+            <p:txBody>
+              <a:bodyPr/>
+              <a:lstStyle/>
+              <a:p>
+                <a:r>
+                  <a:rPr lang="en-US">
+                    <a:noFill/>
+                  </a:rPr>
+                  <a:t> </a:t>
+                </a:r>
+              </a:p>
+            </p:txBody>
+          </p:sp>
+        </mc:Fallback>
+      </mc:AlternateContent>
+      <mc:AlternateContent xmlns:mc="http://schemas.openxmlformats.org/markup-compatibility/2006">
+        <mc:Choice xmlns:a14="http://schemas.microsoft.com/office/drawing/2010/main" Requires="a14">
+          <p:sp>
+            <p:nvSpPr>
+              <p:cNvPr id="11" name="TextBox 10"/>
+              <p:cNvSpPr txBox="1"/>
+              <p:nvPr/>
+            </p:nvSpPr>
+            <p:spPr>
+              <a:xfrm>
+                <a:off x="718711" y="3076620"/>
+                <a:ext cx="467692" cy="369332"/>
+              </a:xfrm>
+              <a:prstGeom prst="rect">
+                <a:avLst/>
+              </a:prstGeom>
+              <a:noFill/>
+            </p:spPr>
+            <p:txBody>
+              <a:bodyPr wrap="none" rtlCol="0">
+                <a:spAutoFit/>
+              </a:bodyPr>
+              <a:lstStyle/>
+              <a:p>
+                <a14:m>
+                  <m:oMathPara xmlns:m="http://schemas.openxmlformats.org/officeDocument/2006/math">
+                    <m:oMathParaPr>
+                      <m:jc m:val="centerGroup"/>
+                    </m:oMathParaPr>
+                    <m:oMath xmlns:m="http://schemas.openxmlformats.org/officeDocument/2006/math">
+                      <m:sSub>
+                        <m:sSubPr>
+                          <m:ctrlPr>
+                            <a:rPr lang="en-US" b="0" i="1" smtClean="0">
+                              <a:latin typeface="Cambria Math" panose="02040503050406030204" pitchFamily="18" charset="0"/>
+                            </a:rPr>
+                          </m:ctrlPr>
+                        </m:sSubPr>
+                        <m:e>
+                          <m:r>
+                            <a:rPr lang="en-US" b="0" i="1" smtClean="0">
+                              <a:latin typeface="Cambria Math" panose="02040503050406030204" pitchFamily="18" charset="0"/>
+                            </a:rPr>
+                            <m:t>𝑣</m:t>
+                          </m:r>
+                        </m:e>
+                        <m:sub>
+                          <m:r>
+                            <a:rPr lang="en-US" b="0" i="1" smtClean="0">
+                              <a:latin typeface="Cambria Math" panose="02040503050406030204" pitchFamily="18" charset="0"/>
+                            </a:rPr>
+                            <m:t>7</m:t>
+                          </m:r>
+                        </m:sub>
+                      </m:sSub>
+                    </m:oMath>
+                  </m:oMathPara>
+                </a14:m>
+                <a:endParaRPr lang="en-US" dirty="0"/>
+              </a:p>
+            </p:txBody>
+          </p:sp>
+        </mc:Choice>
+        <mc:Fallback>
+          <p:sp>
+            <p:nvSpPr>
+              <p:cNvPr id="11" name="TextBox 10"/>
+              <p:cNvSpPr txBox="1">
+                <a:spLocks noRot="1" noChangeAspect="1" noMove="1" noResize="1" noEditPoints="1" noAdjustHandles="1" noChangeArrowheads="1" noChangeShapeType="1" noTextEdit="1"/>
+              </p:cNvSpPr>
+              <p:nvPr/>
+            </p:nvSpPr>
+            <p:spPr>
+              <a:xfrm>
+                <a:off x="718711" y="3076620"/>
+                <a:ext cx="467692" cy="369332"/>
+              </a:xfrm>
+              <a:prstGeom prst="rect">
+                <a:avLst/>
+              </a:prstGeom>
+              <a:blipFill rotWithShape="0">
+                <a:blip r:embed="rId10"/>
+                <a:stretch>
+                  <a:fillRect/>
+                </a:stretch>
+              </a:blipFill>
+            </p:spPr>
+            <p:txBody>
+              <a:bodyPr/>
+              <a:lstStyle/>
+              <a:p>
+                <a:r>
+                  <a:rPr lang="en-US">
+                    <a:noFill/>
+                  </a:rPr>
+                  <a:t> </a:t>
+                </a:r>
+              </a:p>
+            </p:txBody>
+          </p:sp>
+        </mc:Fallback>
+      </mc:AlternateContent>
+      <mc:AlternateContent xmlns:mc="http://schemas.openxmlformats.org/markup-compatibility/2006">
+        <mc:Choice xmlns:a14="http://schemas.microsoft.com/office/drawing/2010/main" Requires="a14">
+          <p:sp>
+            <p:nvSpPr>
+              <p:cNvPr id="12" name="TextBox 11"/>
+              <p:cNvSpPr txBox="1"/>
+              <p:nvPr/>
+            </p:nvSpPr>
+            <p:spPr>
+              <a:xfrm>
+                <a:off x="1091480" y="3974795"/>
+                <a:ext cx="467692" cy="369332"/>
+              </a:xfrm>
+              <a:prstGeom prst="rect">
+                <a:avLst/>
+              </a:prstGeom>
+              <a:noFill/>
+            </p:spPr>
+            <p:txBody>
+              <a:bodyPr wrap="none" rtlCol="0">
+                <a:spAutoFit/>
+              </a:bodyPr>
+              <a:lstStyle/>
+              <a:p>
+                <a14:m>
+                  <m:oMathPara xmlns:m="http://schemas.openxmlformats.org/officeDocument/2006/math">
+                    <m:oMathParaPr>
+                      <m:jc m:val="centerGroup"/>
+                    </m:oMathParaPr>
+                    <m:oMath xmlns:m="http://schemas.openxmlformats.org/officeDocument/2006/math">
+                      <m:sSub>
+                        <m:sSubPr>
+                          <m:ctrlPr>
+                            <a:rPr lang="en-US" b="0" i="1" smtClean="0">
+                              <a:latin typeface="Cambria Math" panose="02040503050406030204" pitchFamily="18" charset="0"/>
+                            </a:rPr>
+                          </m:ctrlPr>
+                        </m:sSubPr>
+                        <m:e>
+                          <m:r>
+                            <a:rPr lang="en-US" b="0" i="1" smtClean="0">
+                              <a:latin typeface="Cambria Math" panose="02040503050406030204" pitchFamily="18" charset="0"/>
+                            </a:rPr>
+                            <m:t>𝑣</m:t>
+                          </m:r>
+                        </m:e>
+                        <m:sub>
+                          <m:r>
+                            <a:rPr lang="en-US" b="0" i="1" smtClean="0">
+                              <a:latin typeface="Cambria Math" panose="02040503050406030204" pitchFamily="18" charset="0"/>
+                            </a:rPr>
+                            <m:t>8</m:t>
+                          </m:r>
+                        </m:sub>
+                      </m:sSub>
+                    </m:oMath>
+                  </m:oMathPara>
+                </a14:m>
+                <a:endParaRPr lang="en-US" dirty="0"/>
+              </a:p>
+            </p:txBody>
+          </p:sp>
+        </mc:Choice>
+        <mc:Fallback>
+          <p:sp>
+            <p:nvSpPr>
+              <p:cNvPr id="12" name="TextBox 11"/>
+              <p:cNvSpPr txBox="1">
+                <a:spLocks noRot="1" noChangeAspect="1" noMove="1" noResize="1" noEditPoints="1" noAdjustHandles="1" noChangeArrowheads="1" noChangeShapeType="1" noTextEdit="1"/>
+              </p:cNvSpPr>
+              <p:nvPr/>
+            </p:nvSpPr>
+            <p:spPr>
+              <a:xfrm>
+                <a:off x="1091480" y="3974795"/>
+                <a:ext cx="467692" cy="369332"/>
+              </a:xfrm>
+              <a:prstGeom prst="rect">
+                <a:avLst/>
+              </a:prstGeom>
+              <a:blipFill rotWithShape="0">
+                <a:blip r:embed="rId11"/>
+                <a:stretch>
+                  <a:fillRect/>
+                </a:stretch>
+              </a:blipFill>
+            </p:spPr>
+            <p:txBody>
+              <a:bodyPr/>
+              <a:lstStyle/>
+              <a:p>
+                <a:r>
+                  <a:rPr lang="en-US">
+                    <a:noFill/>
+                  </a:rPr>
+                  <a:t> </a:t>
+                </a:r>
+              </a:p>
+            </p:txBody>
+          </p:sp>
+        </mc:Fallback>
+      </mc:AlternateContent>
+      <mc:AlternateContent xmlns:mc="http://schemas.openxmlformats.org/markup-compatibility/2006">
+        <mc:Choice xmlns:a14="http://schemas.microsoft.com/office/drawing/2010/main" Requires="a14">
+          <p:sp>
+            <p:nvSpPr>
+              <p:cNvPr id="13" name="TextBox 12"/>
+              <p:cNvSpPr txBox="1"/>
+              <p:nvPr/>
+            </p:nvSpPr>
+            <p:spPr>
+              <a:xfrm>
+                <a:off x="1365433" y="5566428"/>
+                <a:ext cx="462883" cy="369332"/>
+              </a:xfrm>
+              <a:prstGeom prst="rect">
+                <a:avLst/>
+              </a:prstGeom>
+              <a:noFill/>
+            </p:spPr>
+            <p:txBody>
+              <a:bodyPr wrap="none" rtlCol="0">
+                <a:spAutoFit/>
+              </a:bodyPr>
+              <a:lstStyle/>
+              <a:p>
+                <a14:m>
+                  <m:oMathPara xmlns:m="http://schemas.openxmlformats.org/officeDocument/2006/math">
+                    <m:oMathParaPr>
+                      <m:jc m:val="centerGroup"/>
+                    </m:oMathParaPr>
+                    <m:oMath xmlns:m="http://schemas.openxmlformats.org/officeDocument/2006/math">
+                      <m:sSub>
+                        <m:sSubPr>
+                          <m:ctrlPr>
+                            <a:rPr lang="en-US" b="0" i="1" smtClean="0">
+                              <a:latin typeface="Cambria Math" panose="02040503050406030204" pitchFamily="18" charset="0"/>
+                            </a:rPr>
+                          </m:ctrlPr>
+                        </m:sSubPr>
+                        <m:e>
+                          <m:r>
+                            <a:rPr lang="en-US" b="0" i="1" smtClean="0">
+                              <a:latin typeface="Cambria Math" panose="02040503050406030204" pitchFamily="18" charset="0"/>
+                            </a:rPr>
+                            <m:t>𝑣</m:t>
+                          </m:r>
+                        </m:e>
+                        <m:sub>
+                          <m:r>
+                            <a:rPr lang="en-US" b="0" i="1" smtClean="0">
+                              <a:latin typeface="Cambria Math" panose="02040503050406030204" pitchFamily="18" charset="0"/>
+                            </a:rPr>
+                            <m:t>9</m:t>
+                          </m:r>
+                        </m:sub>
+                      </m:sSub>
+                    </m:oMath>
+                  </m:oMathPara>
+                </a14:m>
+                <a:endParaRPr lang="en-US" dirty="0"/>
+              </a:p>
+            </p:txBody>
+          </p:sp>
+        </mc:Choice>
+        <mc:Fallback>
+          <p:sp>
+            <p:nvSpPr>
+              <p:cNvPr id="13" name="TextBox 12"/>
+              <p:cNvSpPr txBox="1">
+                <a:spLocks noRot="1" noChangeAspect="1" noMove="1" noResize="1" noEditPoints="1" noAdjustHandles="1" noChangeArrowheads="1" noChangeShapeType="1" noTextEdit="1"/>
+              </p:cNvSpPr>
+              <p:nvPr/>
+            </p:nvSpPr>
+            <p:spPr>
+              <a:xfrm>
+                <a:off x="1365433" y="5566428"/>
+                <a:ext cx="462883" cy="369332"/>
+              </a:xfrm>
+              <a:prstGeom prst="rect">
+                <a:avLst/>
+              </a:prstGeom>
+              <a:blipFill rotWithShape="0">
+                <a:blip r:embed="rId12"/>
+                <a:stretch>
+                  <a:fillRect/>
+                </a:stretch>
+              </a:blipFill>
+            </p:spPr>
+            <p:txBody>
+              <a:bodyPr/>
+              <a:lstStyle/>
+              <a:p>
+                <a:r>
+                  <a:rPr lang="en-US">
+                    <a:noFill/>
+                  </a:rPr>
+                  <a:t> </a:t>
+                </a:r>
+              </a:p>
+            </p:txBody>
+          </p:sp>
+        </mc:Fallback>
+      </mc:AlternateContent>
+      <mc:AlternateContent xmlns:mc="http://schemas.openxmlformats.org/markup-compatibility/2006">
+        <mc:Choice xmlns:a14="http://schemas.microsoft.com/office/drawing/2010/main" Requires="a14">
+          <p:sp>
+            <p:nvSpPr>
+              <p:cNvPr id="18" name="TextBox 17"/>
+              <p:cNvSpPr txBox="1"/>
+              <p:nvPr/>
+            </p:nvSpPr>
+            <p:spPr>
+              <a:xfrm>
+                <a:off x="10025779" y="1660540"/>
+                <a:ext cx="467692" cy="369332"/>
+              </a:xfrm>
+              <a:prstGeom prst="rect">
+                <a:avLst/>
+              </a:prstGeom>
+              <a:noFill/>
+            </p:spPr>
+            <p:txBody>
+              <a:bodyPr wrap="none" rtlCol="0">
+                <a:spAutoFit/>
+              </a:bodyPr>
+              <a:lstStyle/>
+              <a:p>
+                <a14:m>
+                  <m:oMathPara xmlns:m="http://schemas.openxmlformats.org/officeDocument/2006/math">
+                    <m:oMathParaPr>
+                      <m:jc m:val="centerGroup"/>
+                    </m:oMathParaPr>
+                    <m:oMath xmlns:m="http://schemas.openxmlformats.org/officeDocument/2006/math">
+                      <m:sSub>
+                        <m:sSubPr>
+                          <m:ctrlPr>
+                            <a:rPr lang="en-US" b="0" i="1" smtClean="0">
+                              <a:latin typeface="Cambria Math" panose="02040503050406030204" pitchFamily="18" charset="0"/>
+                            </a:rPr>
+                          </m:ctrlPr>
+                        </m:sSubPr>
+                        <m:e>
+                          <m:r>
+                            <a:rPr lang="en-US" b="0" i="1" smtClean="0">
+                              <a:latin typeface="Cambria Math" panose="02040503050406030204" pitchFamily="18" charset="0"/>
+                            </a:rPr>
+                            <m:t>𝑣</m:t>
+                          </m:r>
+                        </m:e>
+                        <m:sub>
+                          <m:r>
+                            <a:rPr lang="en-US" b="0" i="1" smtClean="0">
+                              <a:latin typeface="Cambria Math" panose="02040503050406030204" pitchFamily="18" charset="0"/>
+                            </a:rPr>
+                            <m:t>0</m:t>
+                          </m:r>
+                        </m:sub>
+                      </m:sSub>
+                    </m:oMath>
+                  </m:oMathPara>
+                </a14:m>
+                <a:endParaRPr lang="en-US" dirty="0"/>
+              </a:p>
+            </p:txBody>
+          </p:sp>
+        </mc:Choice>
+        <mc:Fallback>
+          <p:sp>
+            <p:nvSpPr>
+              <p:cNvPr id="18" name="TextBox 17"/>
+              <p:cNvSpPr txBox="1">
+                <a:spLocks noRot="1" noChangeAspect="1" noMove="1" noResize="1" noEditPoints="1" noAdjustHandles="1" noChangeArrowheads="1" noChangeShapeType="1" noTextEdit="1"/>
+              </p:cNvSpPr>
+              <p:nvPr/>
+            </p:nvSpPr>
+            <p:spPr>
+              <a:xfrm>
+                <a:off x="10025779" y="1660540"/>
+                <a:ext cx="467692" cy="369332"/>
+              </a:xfrm>
+              <a:prstGeom prst="rect">
+                <a:avLst/>
+              </a:prstGeom>
+              <a:blipFill rotWithShape="0">
+                <a:blip r:embed="rId13"/>
+                <a:stretch>
+                  <a:fillRect/>
+                </a:stretch>
+              </a:blipFill>
+            </p:spPr>
+            <p:txBody>
+              <a:bodyPr/>
+              <a:lstStyle/>
+              <a:p>
+                <a:r>
+                  <a:rPr lang="en-US">
+                    <a:noFill/>
+                  </a:rPr>
+                  <a:t> </a:t>
+                </a:r>
+              </a:p>
+            </p:txBody>
+          </p:sp>
+        </mc:Fallback>
+      </mc:AlternateContent>
+      <mc:AlternateContent xmlns:mc="http://schemas.openxmlformats.org/markup-compatibility/2006">
+        <mc:Choice xmlns:a14="http://schemas.microsoft.com/office/drawing/2010/main" Requires="a14">
+          <p:sp>
+            <p:nvSpPr>
+              <p:cNvPr id="19" name="TextBox 18"/>
+              <p:cNvSpPr txBox="1"/>
+              <p:nvPr/>
+            </p:nvSpPr>
+            <p:spPr>
+              <a:xfrm>
+                <a:off x="10659443" y="1560277"/>
+                <a:ext cx="462370" cy="369332"/>
+              </a:xfrm>
+              <a:prstGeom prst="rect">
+                <a:avLst/>
+              </a:prstGeom>
+              <a:noFill/>
+            </p:spPr>
+            <p:txBody>
+              <a:bodyPr wrap="none" rtlCol="0">
+                <a:spAutoFit/>
+              </a:bodyPr>
+              <a:lstStyle/>
+              <a:p>
+                <a14:m>
+                  <m:oMathPara xmlns:m="http://schemas.openxmlformats.org/officeDocument/2006/math">
+                    <m:oMathParaPr>
+                      <m:jc m:val="centerGroup"/>
+                    </m:oMathParaPr>
+                    <m:oMath xmlns:m="http://schemas.openxmlformats.org/officeDocument/2006/math">
+                      <m:sSub>
+                        <m:sSubPr>
+                          <m:ctrlPr>
+                            <a:rPr lang="en-US" b="0" i="1" smtClean="0">
+                              <a:latin typeface="Cambria Math" panose="02040503050406030204" pitchFamily="18" charset="0"/>
+                            </a:rPr>
+                          </m:ctrlPr>
+                        </m:sSubPr>
+                        <m:e>
+                          <m:r>
+                            <a:rPr lang="en-US" b="0" i="1" smtClean="0">
+                              <a:latin typeface="Cambria Math" panose="02040503050406030204" pitchFamily="18" charset="0"/>
+                            </a:rPr>
+                            <m:t>𝑣</m:t>
+                          </m:r>
+                        </m:e>
+                        <m:sub>
+                          <m:r>
+                            <a:rPr lang="en-US" b="0" i="1" smtClean="0">
+                              <a:latin typeface="Cambria Math" panose="02040503050406030204" pitchFamily="18" charset="0"/>
+                            </a:rPr>
+                            <m:t>1</m:t>
+                          </m:r>
+                        </m:sub>
+                      </m:sSub>
+                    </m:oMath>
+                  </m:oMathPara>
+                </a14:m>
+                <a:endParaRPr lang="en-US" dirty="0"/>
+              </a:p>
+            </p:txBody>
+          </p:sp>
+        </mc:Choice>
+        <mc:Fallback>
+          <p:sp>
+            <p:nvSpPr>
+              <p:cNvPr id="19" name="TextBox 18"/>
+              <p:cNvSpPr txBox="1">
+                <a:spLocks noRot="1" noChangeAspect="1" noMove="1" noResize="1" noEditPoints="1" noAdjustHandles="1" noChangeArrowheads="1" noChangeShapeType="1" noTextEdit="1"/>
+              </p:cNvSpPr>
+              <p:nvPr/>
+            </p:nvSpPr>
+            <p:spPr>
+              <a:xfrm>
+                <a:off x="10659443" y="1560277"/>
+                <a:ext cx="462370" cy="369332"/>
+              </a:xfrm>
+              <a:prstGeom prst="rect">
+                <a:avLst/>
+              </a:prstGeom>
+              <a:blipFill rotWithShape="0">
+                <a:blip r:embed="rId14"/>
+                <a:stretch>
+                  <a:fillRect/>
+                </a:stretch>
+              </a:blipFill>
+            </p:spPr>
+            <p:txBody>
+              <a:bodyPr/>
+              <a:lstStyle/>
+              <a:p>
+                <a:r>
+                  <a:rPr lang="en-US">
+                    <a:noFill/>
+                  </a:rPr>
+                  <a:t> </a:t>
+                </a:r>
+              </a:p>
+            </p:txBody>
+          </p:sp>
+        </mc:Fallback>
+      </mc:AlternateContent>
+      <p:cxnSp>
+        <p:nvCxnSpPr>
+          <p:cNvPr id="21" name="Straight Arrow Connector 20"/>
+          <p:cNvCxnSpPr>
+            <a:stCxn id="18" idx="2"/>
+          </p:cNvCxnSpPr>
+          <p:nvPr/>
+        </p:nvCxnSpPr>
+        <p:spPr>
+          <a:xfrm flipH="1">
+            <a:off x="10118558" y="2029872"/>
+            <a:ext cx="141067" cy="556735"/>
+          </a:xfrm>
+          <a:prstGeom prst="straightConnector1">
+            <a:avLst/>
+          </a:prstGeom>
+          <a:ln>
+            <a:solidFill>
+              <a:schemeClr val="tx1"/>
+            </a:solidFill>
+            <a:tailEnd type="arrow"/>
+          </a:ln>
+        </p:spPr>
+        <p:style>
+          <a:lnRef idx="1">
+            <a:schemeClr val="accent1"/>
+          </a:lnRef>
+          <a:fillRef idx="0">
+            <a:schemeClr val="accent1"/>
+          </a:fillRef>
+          <a:effectRef idx="0">
+            <a:schemeClr val="accent1"/>
+          </a:effectRef>
+          <a:fontRef idx="minor">
+            <a:schemeClr val="tx1"/>
+          </a:fontRef>
+        </p:style>
+      </p:cxnSp>
+      <p:cxnSp>
+        <p:nvCxnSpPr>
+          <p:cNvPr id="22" name="Straight Arrow Connector 21"/>
+          <p:cNvCxnSpPr/>
+          <p:nvPr/>
+        </p:nvCxnSpPr>
+        <p:spPr>
+          <a:xfrm flipH="1">
+            <a:off x="10244380" y="1983783"/>
+            <a:ext cx="604435" cy="635431"/>
+          </a:xfrm>
+          <a:prstGeom prst="straightConnector1">
+            <a:avLst/>
+          </a:prstGeom>
+          <a:ln>
+            <a:solidFill>
+              <a:schemeClr val="tx1"/>
+            </a:solidFill>
+            <a:tailEnd type="arrow"/>
+          </a:ln>
+        </p:spPr>
+        <p:style>
+          <a:lnRef idx="1">
+            <a:schemeClr val="accent1"/>
+          </a:lnRef>
+          <a:fillRef idx="0">
+            <a:schemeClr val="accent1"/>
+          </a:fillRef>
+          <a:effectRef idx="0">
+            <a:schemeClr val="accent1"/>
+          </a:effectRef>
+          <a:fontRef idx="minor">
+            <a:schemeClr val="tx1"/>
+          </a:fontRef>
+        </p:style>
+      </p:cxnSp>
+      <mc:AlternateContent xmlns:mc="http://schemas.openxmlformats.org/markup-compatibility/2006">
+        <mc:Choice xmlns:a14="http://schemas.microsoft.com/office/drawing/2010/main" Requires="a14">
+          <p:sp>
+            <p:nvSpPr>
+              <p:cNvPr id="25" name="TextBox 24"/>
+              <p:cNvSpPr txBox="1"/>
+              <p:nvPr/>
+            </p:nvSpPr>
+            <p:spPr>
+              <a:xfrm>
+                <a:off x="9871356" y="2556721"/>
+                <a:ext cx="467692" cy="369332"/>
+              </a:xfrm>
+              <a:prstGeom prst="rect">
+                <a:avLst/>
+              </a:prstGeom>
+              <a:noFill/>
+            </p:spPr>
+            <p:txBody>
+              <a:bodyPr wrap="none" rtlCol="0">
+                <a:spAutoFit/>
+              </a:bodyPr>
+              <a:lstStyle/>
+              <a:p>
+                <a14:m>
+                  <m:oMathPara xmlns:m="http://schemas.openxmlformats.org/officeDocument/2006/math">
+                    <m:oMathParaPr>
+                      <m:jc m:val="centerGroup"/>
+                    </m:oMathParaPr>
+                    <m:oMath xmlns:m="http://schemas.openxmlformats.org/officeDocument/2006/math">
+                      <m:sSub>
+                        <m:sSubPr>
+                          <m:ctrlPr>
+                            <a:rPr lang="en-US" b="0" i="1" smtClean="0">
+                              <a:latin typeface="Cambria Math" panose="02040503050406030204" pitchFamily="18" charset="0"/>
+                            </a:rPr>
+                          </m:ctrlPr>
+                        </m:sSubPr>
+                        <m:e>
+                          <m:r>
+                            <a:rPr lang="en-US" b="0" i="1" smtClean="0">
+                              <a:latin typeface="Cambria Math" panose="02040503050406030204" pitchFamily="18" charset="0"/>
+                            </a:rPr>
+                            <m:t>𝑣</m:t>
+                          </m:r>
+                        </m:e>
+                        <m:sub>
+                          <m:r>
+                            <a:rPr lang="en-US" b="0" i="1" smtClean="0">
+                              <a:latin typeface="Cambria Math" panose="02040503050406030204" pitchFamily="18" charset="0"/>
+                            </a:rPr>
+                            <m:t>2</m:t>
+                          </m:r>
+                        </m:sub>
+                      </m:sSub>
+                    </m:oMath>
+                  </m:oMathPara>
+                </a14:m>
+                <a:endParaRPr lang="en-US" dirty="0"/>
+              </a:p>
+            </p:txBody>
+          </p:sp>
+        </mc:Choice>
+        <mc:Fallback>
+          <p:sp>
+            <p:nvSpPr>
+              <p:cNvPr id="25" name="TextBox 24"/>
+              <p:cNvSpPr txBox="1">
+                <a:spLocks noRot="1" noChangeAspect="1" noMove="1" noResize="1" noEditPoints="1" noAdjustHandles="1" noChangeArrowheads="1" noChangeShapeType="1" noTextEdit="1"/>
+              </p:cNvSpPr>
+              <p:nvPr/>
+            </p:nvSpPr>
+            <p:spPr>
+              <a:xfrm>
+                <a:off x="9871356" y="2556721"/>
+                <a:ext cx="467692" cy="369332"/>
+              </a:xfrm>
+              <a:prstGeom prst="rect">
+                <a:avLst/>
+              </a:prstGeom>
+              <a:blipFill rotWithShape="0">
+                <a:blip r:embed="rId15"/>
+                <a:stretch>
+                  <a:fillRect/>
+                </a:stretch>
+              </a:blipFill>
+            </p:spPr>
+            <p:txBody>
+              <a:bodyPr/>
+              <a:lstStyle/>
+              <a:p>
+                <a:r>
+                  <a:rPr lang="en-US">
+                    <a:noFill/>
+                  </a:rPr>
+                  <a:t> </a:t>
+                </a:r>
+              </a:p>
+            </p:txBody>
+          </p:sp>
+        </mc:Fallback>
+      </mc:AlternateContent>
+      <mc:AlternateContent xmlns:mc="http://schemas.openxmlformats.org/markup-compatibility/2006">
+        <mc:Choice xmlns:a14="http://schemas.microsoft.com/office/drawing/2010/main" Requires="a14">
+          <p:sp>
+            <p:nvSpPr>
+              <p:cNvPr id="26" name="TextBox 25"/>
+              <p:cNvSpPr txBox="1"/>
+              <p:nvPr/>
+            </p:nvSpPr>
+            <p:spPr>
+              <a:xfrm>
+                <a:off x="9637510" y="3445952"/>
+                <a:ext cx="467692" cy="369332"/>
+              </a:xfrm>
+              <a:prstGeom prst="rect">
+                <a:avLst/>
+              </a:prstGeom>
+              <a:noFill/>
+            </p:spPr>
+            <p:txBody>
+              <a:bodyPr wrap="none" rtlCol="0">
+                <a:spAutoFit/>
+              </a:bodyPr>
+              <a:lstStyle/>
+              <a:p>
+                <a14:m>
+                  <m:oMathPara xmlns:m="http://schemas.openxmlformats.org/officeDocument/2006/math">
+                    <m:oMathParaPr>
+                      <m:jc m:val="centerGroup"/>
+                    </m:oMathParaPr>
+                    <m:oMath xmlns:m="http://schemas.openxmlformats.org/officeDocument/2006/math">
+                      <m:sSub>
+                        <m:sSubPr>
+                          <m:ctrlPr>
+                            <a:rPr lang="en-US" b="0" i="1" smtClean="0">
+                              <a:latin typeface="Cambria Math" panose="02040503050406030204" pitchFamily="18" charset="0"/>
+                            </a:rPr>
+                          </m:ctrlPr>
+                        </m:sSubPr>
+                        <m:e>
+                          <m:r>
+                            <a:rPr lang="en-US" b="0" i="1" smtClean="0">
+                              <a:latin typeface="Cambria Math" panose="02040503050406030204" pitchFamily="18" charset="0"/>
+                            </a:rPr>
+                            <m:t>𝑣</m:t>
+                          </m:r>
+                        </m:e>
+                        <m:sub>
+                          <m:r>
+                            <a:rPr lang="en-US" b="0" i="1" smtClean="0">
+                              <a:latin typeface="Cambria Math" panose="02040503050406030204" pitchFamily="18" charset="0"/>
+                            </a:rPr>
+                            <m:t>3</m:t>
+                          </m:r>
+                        </m:sub>
+                      </m:sSub>
+                    </m:oMath>
+                  </m:oMathPara>
+                </a14:m>
+                <a:endParaRPr lang="en-US" dirty="0"/>
+              </a:p>
+            </p:txBody>
+          </p:sp>
+        </mc:Choice>
+        <mc:Fallback>
+          <p:sp>
+            <p:nvSpPr>
+              <p:cNvPr id="26" name="TextBox 25"/>
+              <p:cNvSpPr txBox="1">
+                <a:spLocks noRot="1" noChangeAspect="1" noMove="1" noResize="1" noEditPoints="1" noAdjustHandles="1" noChangeArrowheads="1" noChangeShapeType="1" noTextEdit="1"/>
+              </p:cNvSpPr>
+              <p:nvPr/>
+            </p:nvSpPr>
+            <p:spPr>
+              <a:xfrm>
+                <a:off x="9637510" y="3445952"/>
+                <a:ext cx="467692" cy="369332"/>
+              </a:xfrm>
+              <a:prstGeom prst="rect">
+                <a:avLst/>
+              </a:prstGeom>
+              <a:blipFill rotWithShape="0">
+                <a:blip r:embed="rId16"/>
+                <a:stretch>
+                  <a:fillRect/>
+                </a:stretch>
+              </a:blipFill>
+            </p:spPr>
+            <p:txBody>
+              <a:bodyPr/>
+              <a:lstStyle/>
+              <a:p>
+                <a:r>
+                  <a:rPr lang="en-US">
+                    <a:noFill/>
+                  </a:rPr>
+                  <a:t> </a:t>
+                </a:r>
+              </a:p>
+            </p:txBody>
+          </p:sp>
+        </mc:Fallback>
+      </mc:AlternateContent>
+      <p:cxnSp>
+        <p:nvCxnSpPr>
+          <p:cNvPr id="27" name="Straight Arrow Connector 26"/>
+          <p:cNvCxnSpPr/>
+          <p:nvPr/>
+        </p:nvCxnSpPr>
+        <p:spPr>
+          <a:xfrm flipH="1">
+            <a:off x="9883500" y="2941689"/>
+            <a:ext cx="141067" cy="556735"/>
+          </a:xfrm>
+          <a:prstGeom prst="straightConnector1">
+            <a:avLst/>
+          </a:prstGeom>
+          <a:ln>
+            <a:solidFill>
+              <a:schemeClr val="tx1"/>
+            </a:solidFill>
+            <a:tailEnd type="arrow"/>
+          </a:ln>
+        </p:spPr>
+        <p:style>
+          <a:lnRef idx="1">
+            <a:schemeClr val="accent1"/>
+          </a:lnRef>
+          <a:fillRef idx="0">
+            <a:schemeClr val="accent1"/>
+          </a:fillRef>
+          <a:effectRef idx="0">
+            <a:schemeClr val="accent1"/>
+          </a:effectRef>
+          <a:fontRef idx="minor">
+            <a:schemeClr val="tx1"/>
+          </a:fontRef>
+        </p:style>
+      </p:cxnSp>
+      <p:cxnSp>
+        <p:nvCxnSpPr>
+          <p:cNvPr id="28" name="Straight Arrow Connector 27"/>
+          <p:cNvCxnSpPr/>
+          <p:nvPr/>
+        </p:nvCxnSpPr>
+        <p:spPr>
+          <a:xfrm flipH="1" flipV="1">
+            <a:off x="9158277" y="3525781"/>
+            <a:ext cx="528164" cy="116320"/>
+          </a:xfrm>
+          <a:prstGeom prst="straightConnector1">
+            <a:avLst/>
+          </a:prstGeom>
+          <a:ln>
+            <a:solidFill>
+              <a:schemeClr val="tx1"/>
+            </a:solidFill>
+            <a:tailEnd type="arrow"/>
+          </a:ln>
+        </p:spPr>
+        <p:style>
+          <a:lnRef idx="1">
+            <a:schemeClr val="accent1"/>
+          </a:lnRef>
+          <a:fillRef idx="0">
+            <a:schemeClr val="accent1"/>
+          </a:fillRef>
+          <a:effectRef idx="0">
+            <a:schemeClr val="accent1"/>
+          </a:effectRef>
+          <a:fontRef idx="minor">
+            <a:schemeClr val="tx1"/>
+          </a:fontRef>
+        </p:style>
+      </p:cxnSp>
+      <mc:AlternateContent xmlns:mc="http://schemas.openxmlformats.org/markup-compatibility/2006">
+        <mc:Choice xmlns:a14="http://schemas.microsoft.com/office/drawing/2010/main" Requires="a14">
+          <p:sp>
+            <p:nvSpPr>
+              <p:cNvPr id="31" name="TextBox 30"/>
+              <p:cNvSpPr txBox="1"/>
+              <p:nvPr/>
+            </p:nvSpPr>
+            <p:spPr>
+              <a:xfrm>
+                <a:off x="8778122" y="3261223"/>
+                <a:ext cx="467692" cy="369332"/>
+              </a:xfrm>
+              <a:prstGeom prst="rect">
+                <a:avLst/>
+              </a:prstGeom>
+              <a:noFill/>
+            </p:spPr>
+            <p:txBody>
+              <a:bodyPr wrap="none" rtlCol="0">
+                <a:spAutoFit/>
+              </a:bodyPr>
+              <a:lstStyle/>
+              <a:p>
+                <a14:m>
+                  <m:oMathPara xmlns:m="http://schemas.openxmlformats.org/officeDocument/2006/math">
+                    <m:oMathParaPr>
+                      <m:jc m:val="centerGroup"/>
+                    </m:oMathParaPr>
+                    <m:oMath xmlns:m="http://schemas.openxmlformats.org/officeDocument/2006/math">
+                      <m:sSub>
+                        <m:sSubPr>
+                          <m:ctrlPr>
+                            <a:rPr lang="en-US" b="0" i="1" smtClean="0">
+                              <a:latin typeface="Cambria Math" panose="02040503050406030204" pitchFamily="18" charset="0"/>
+                            </a:rPr>
+                          </m:ctrlPr>
+                        </m:sSubPr>
+                        <m:e>
+                          <m:r>
+                            <a:rPr lang="en-US" b="0" i="1" smtClean="0">
+                              <a:latin typeface="Cambria Math" panose="02040503050406030204" pitchFamily="18" charset="0"/>
+                            </a:rPr>
+                            <m:t>𝑣</m:t>
+                          </m:r>
+                        </m:e>
+                        <m:sub>
+                          <m:r>
+                            <a:rPr lang="en-US" b="0" i="1" smtClean="0">
+                              <a:latin typeface="Cambria Math" panose="02040503050406030204" pitchFamily="18" charset="0"/>
+                            </a:rPr>
+                            <m:t>5</m:t>
+                          </m:r>
+                        </m:sub>
+                      </m:sSub>
+                    </m:oMath>
+                  </m:oMathPara>
+                </a14:m>
+                <a:endParaRPr lang="en-US" dirty="0"/>
+              </a:p>
+            </p:txBody>
+          </p:sp>
+        </mc:Choice>
+        <mc:Fallback>
+          <p:sp>
+            <p:nvSpPr>
+              <p:cNvPr id="31" name="TextBox 30"/>
+              <p:cNvSpPr txBox="1">
+                <a:spLocks noRot="1" noChangeAspect="1" noMove="1" noResize="1" noEditPoints="1" noAdjustHandles="1" noChangeArrowheads="1" noChangeShapeType="1" noTextEdit="1"/>
+              </p:cNvSpPr>
+              <p:nvPr/>
+            </p:nvSpPr>
+            <p:spPr>
+              <a:xfrm>
+                <a:off x="8778122" y="3261223"/>
+                <a:ext cx="467692" cy="369332"/>
+              </a:xfrm>
+              <a:prstGeom prst="rect">
+                <a:avLst/>
+              </a:prstGeom>
+              <a:blipFill rotWithShape="0">
+                <a:blip r:embed="rId17"/>
+                <a:stretch>
+                  <a:fillRect/>
+                </a:stretch>
+              </a:blipFill>
+            </p:spPr>
+            <p:txBody>
+              <a:bodyPr/>
+              <a:lstStyle/>
+              <a:p>
+                <a:r>
+                  <a:rPr lang="en-US">
+                    <a:noFill/>
+                  </a:rPr>
+                  <a:t> </a:t>
+                </a:r>
+              </a:p>
+            </p:txBody>
+          </p:sp>
+        </mc:Fallback>
+      </mc:AlternateContent>
+      <mc:AlternateContent xmlns:mc="http://schemas.openxmlformats.org/markup-compatibility/2006">
+        <mc:Choice xmlns:a14="http://schemas.microsoft.com/office/drawing/2010/main" Requires="a14">
+          <p:sp>
+            <p:nvSpPr>
+              <p:cNvPr id="32" name="TextBox 31"/>
+              <p:cNvSpPr txBox="1"/>
+              <p:nvPr/>
+            </p:nvSpPr>
+            <p:spPr>
+              <a:xfrm>
+                <a:off x="9103537" y="1528284"/>
+                <a:ext cx="457818" cy="369332"/>
+              </a:xfrm>
+              <a:prstGeom prst="rect">
+                <a:avLst/>
+              </a:prstGeom>
+              <a:noFill/>
+            </p:spPr>
+            <p:txBody>
+              <a:bodyPr wrap="none" rtlCol="0">
+                <a:spAutoFit/>
+              </a:bodyPr>
+              <a:lstStyle/>
+              <a:p>
+                <a14:m>
+                  <m:oMathPara xmlns:m="http://schemas.openxmlformats.org/officeDocument/2006/math">
+                    <m:oMathParaPr>
+                      <m:jc m:val="centerGroup"/>
+                    </m:oMathParaPr>
+                    <m:oMath xmlns:m="http://schemas.openxmlformats.org/officeDocument/2006/math">
+                      <m:sSub>
+                        <m:sSubPr>
+                          <m:ctrlPr>
+                            <a:rPr lang="en-US" b="0" i="1" smtClean="0">
+                              <a:latin typeface="Cambria Math" panose="02040503050406030204" pitchFamily="18" charset="0"/>
+                            </a:rPr>
+                          </m:ctrlPr>
+                        </m:sSubPr>
+                        <m:e>
+                          <m:r>
+                            <a:rPr lang="en-US" b="0" i="1" smtClean="0">
+                              <a:latin typeface="Cambria Math" panose="02040503050406030204" pitchFamily="18" charset="0"/>
+                            </a:rPr>
+                            <m:t>𝑣</m:t>
+                          </m:r>
+                        </m:e>
+                        <m:sub>
+                          <m:r>
+                            <a:rPr lang="en-US" b="0" i="1" smtClean="0">
+                              <a:latin typeface="Cambria Math" panose="02040503050406030204" pitchFamily="18" charset="0"/>
+                            </a:rPr>
+                            <m:t>4</m:t>
+                          </m:r>
+                        </m:sub>
+                      </m:sSub>
+                    </m:oMath>
+                  </m:oMathPara>
+                </a14:m>
+                <a:endParaRPr lang="en-US" dirty="0"/>
+              </a:p>
+            </p:txBody>
+          </p:sp>
+        </mc:Choice>
+        <mc:Fallback>
+          <p:sp>
+            <p:nvSpPr>
+              <p:cNvPr id="32" name="TextBox 31"/>
+              <p:cNvSpPr txBox="1">
+                <a:spLocks noRot="1" noChangeAspect="1" noMove="1" noResize="1" noEditPoints="1" noAdjustHandles="1" noChangeArrowheads="1" noChangeShapeType="1" noTextEdit="1"/>
+              </p:cNvSpPr>
+              <p:nvPr/>
+            </p:nvSpPr>
+            <p:spPr>
+              <a:xfrm>
+                <a:off x="9103537" y="1528284"/>
+                <a:ext cx="457818" cy="369332"/>
+              </a:xfrm>
+              <a:prstGeom prst="rect">
+                <a:avLst/>
+              </a:prstGeom>
+              <a:blipFill rotWithShape="0">
+                <a:blip r:embed="rId18"/>
+                <a:stretch>
+                  <a:fillRect/>
+                </a:stretch>
+              </a:blipFill>
+            </p:spPr>
+            <p:txBody>
+              <a:bodyPr/>
+              <a:lstStyle/>
+              <a:p>
+                <a:r>
+                  <a:rPr lang="en-US">
+                    <a:noFill/>
+                  </a:rPr>
+                  <a:t> </a:t>
+                </a:r>
+              </a:p>
+            </p:txBody>
+          </p:sp>
+        </mc:Fallback>
+      </mc:AlternateContent>
+      <p:cxnSp>
+        <p:nvCxnSpPr>
+          <p:cNvPr id="33" name="Straight Arrow Connector 32"/>
+          <p:cNvCxnSpPr/>
+          <p:nvPr/>
+        </p:nvCxnSpPr>
+        <p:spPr>
+          <a:xfrm flipH="1">
+            <a:off x="9004515" y="1897616"/>
+            <a:ext cx="294830" cy="1403523"/>
+          </a:xfrm>
+          <a:prstGeom prst="straightConnector1">
+            <a:avLst/>
+          </a:prstGeom>
+          <a:ln>
+            <a:solidFill>
+              <a:schemeClr val="tx1"/>
+            </a:solidFill>
+            <a:tailEnd type="arrow"/>
+          </a:ln>
+        </p:spPr>
+        <p:style>
+          <a:lnRef idx="1">
+            <a:schemeClr val="accent1"/>
+          </a:lnRef>
+          <a:fillRef idx="0">
+            <a:schemeClr val="accent1"/>
+          </a:fillRef>
+          <a:effectRef idx="0">
+            <a:schemeClr val="accent1"/>
+          </a:effectRef>
+          <a:fontRef idx="minor">
+            <a:schemeClr val="tx1"/>
+          </a:fontRef>
+        </p:style>
+      </p:cxnSp>
+      <mc:AlternateContent xmlns:mc="http://schemas.openxmlformats.org/markup-compatibility/2006">
+        <mc:Choice xmlns:a14="http://schemas.microsoft.com/office/drawing/2010/main" Requires="a14">
+          <p:sp>
+            <p:nvSpPr>
+              <p:cNvPr id="35" name="TextBox 34"/>
+              <p:cNvSpPr txBox="1"/>
+              <p:nvPr/>
+            </p:nvSpPr>
+            <p:spPr>
+              <a:xfrm>
+                <a:off x="8488396" y="2549737"/>
+                <a:ext cx="467692" cy="369332"/>
+              </a:xfrm>
+              <a:prstGeom prst="rect">
+                <a:avLst/>
+              </a:prstGeom>
+              <a:noFill/>
+            </p:spPr>
+            <p:txBody>
+              <a:bodyPr wrap="none" rtlCol="0">
+                <a:spAutoFit/>
+              </a:bodyPr>
+              <a:lstStyle/>
+              <a:p>
+                <a14:m>
+                  <m:oMathPara xmlns:m="http://schemas.openxmlformats.org/officeDocument/2006/math">
+                    <m:oMathParaPr>
+                      <m:jc m:val="centerGroup"/>
+                    </m:oMathParaPr>
+                    <m:oMath xmlns:m="http://schemas.openxmlformats.org/officeDocument/2006/math">
+                      <m:sSub>
+                        <m:sSubPr>
+                          <m:ctrlPr>
+                            <a:rPr lang="en-US" b="0" i="1" smtClean="0">
+                              <a:latin typeface="Cambria Math" panose="02040503050406030204" pitchFamily="18" charset="0"/>
+                            </a:rPr>
+                          </m:ctrlPr>
+                        </m:sSubPr>
+                        <m:e>
+                          <m:r>
+                            <a:rPr lang="en-US" b="0" i="1" smtClean="0">
+                              <a:latin typeface="Cambria Math" panose="02040503050406030204" pitchFamily="18" charset="0"/>
+                            </a:rPr>
+                            <m:t>𝑣</m:t>
+                          </m:r>
+                        </m:e>
+                        <m:sub>
+                          <m:r>
+                            <a:rPr lang="en-US" b="0" i="1" smtClean="0">
+                              <a:latin typeface="Cambria Math" panose="02040503050406030204" pitchFamily="18" charset="0"/>
+                            </a:rPr>
+                            <m:t>6</m:t>
+                          </m:r>
+                        </m:sub>
+                      </m:sSub>
+                    </m:oMath>
+                  </m:oMathPara>
+                </a14:m>
+                <a:endParaRPr lang="en-US" dirty="0"/>
+              </a:p>
+            </p:txBody>
+          </p:sp>
+        </mc:Choice>
+        <mc:Fallback>
+          <p:sp>
+            <p:nvSpPr>
+              <p:cNvPr id="35" name="TextBox 34"/>
+              <p:cNvSpPr txBox="1">
+                <a:spLocks noRot="1" noChangeAspect="1" noMove="1" noResize="1" noEditPoints="1" noAdjustHandles="1" noChangeArrowheads="1" noChangeShapeType="1" noTextEdit="1"/>
+              </p:cNvSpPr>
+              <p:nvPr/>
+            </p:nvSpPr>
+            <p:spPr>
+              <a:xfrm>
+                <a:off x="8488396" y="2549737"/>
+                <a:ext cx="467692" cy="369332"/>
+              </a:xfrm>
+              <a:prstGeom prst="rect">
+                <a:avLst/>
+              </a:prstGeom>
+              <a:blipFill rotWithShape="0">
+                <a:blip r:embed="rId19"/>
+                <a:stretch>
+                  <a:fillRect/>
+                </a:stretch>
+              </a:blipFill>
+            </p:spPr>
+            <p:txBody>
+              <a:bodyPr/>
+              <a:lstStyle/>
+              <a:p>
+                <a:r>
+                  <a:rPr lang="en-US">
+                    <a:noFill/>
+                  </a:rPr>
+                  <a:t> </a:t>
+                </a:r>
+              </a:p>
+            </p:txBody>
+          </p:sp>
+        </mc:Fallback>
+      </mc:AlternateContent>
+      <p:cxnSp>
+        <p:nvCxnSpPr>
+          <p:cNvPr id="36" name="Straight Arrow Connector 35"/>
+          <p:cNvCxnSpPr/>
+          <p:nvPr/>
+        </p:nvCxnSpPr>
+        <p:spPr>
+          <a:xfrm flipH="1">
+            <a:off x="8756542" y="1888210"/>
+            <a:ext cx="477867" cy="746502"/>
+          </a:xfrm>
+          <a:prstGeom prst="straightConnector1">
+            <a:avLst/>
+          </a:prstGeom>
+          <a:ln>
+            <a:solidFill>
+              <a:schemeClr val="tx1"/>
+            </a:solidFill>
+            <a:tailEnd type="arrow"/>
+          </a:ln>
+        </p:spPr>
+        <p:style>
+          <a:lnRef idx="1">
+            <a:schemeClr val="accent1"/>
+          </a:lnRef>
+          <a:fillRef idx="0">
+            <a:schemeClr val="accent1"/>
+          </a:fillRef>
+          <a:effectRef idx="0">
+            <a:schemeClr val="accent1"/>
+          </a:effectRef>
+          <a:fontRef idx="minor">
+            <a:schemeClr val="tx1"/>
+          </a:fontRef>
+        </p:style>
+      </p:cxnSp>
+      <p:cxnSp>
+        <p:nvCxnSpPr>
+          <p:cNvPr id="38" name="Straight Arrow Connector 37"/>
+          <p:cNvCxnSpPr/>
+          <p:nvPr/>
+        </p:nvCxnSpPr>
+        <p:spPr>
+          <a:xfrm flipH="1" flipV="1">
+            <a:off x="8768238" y="2903267"/>
+            <a:ext cx="127789" cy="428869"/>
+          </a:xfrm>
+          <a:prstGeom prst="straightConnector1">
+            <a:avLst/>
+          </a:prstGeom>
+          <a:ln>
+            <a:solidFill>
+              <a:schemeClr val="tx1"/>
+            </a:solidFill>
+            <a:tailEnd type="arrow"/>
+          </a:ln>
+        </p:spPr>
+        <p:style>
+          <a:lnRef idx="1">
+            <a:schemeClr val="accent1"/>
+          </a:lnRef>
+          <a:fillRef idx="0">
+            <a:schemeClr val="accent1"/>
+          </a:fillRef>
+          <a:effectRef idx="0">
+            <a:schemeClr val="accent1"/>
+          </a:effectRef>
+          <a:fontRef idx="minor">
+            <a:schemeClr val="tx1"/>
+          </a:fontRef>
+        </p:style>
+      </p:cxnSp>
+      <mc:AlternateContent xmlns:mc="http://schemas.openxmlformats.org/markup-compatibility/2006">
+        <mc:Choice xmlns:a14="http://schemas.microsoft.com/office/drawing/2010/main" Requires="a14">
+          <p:sp>
+            <p:nvSpPr>
+              <p:cNvPr id="41" name="TextBox 40"/>
+              <p:cNvSpPr txBox="1"/>
+              <p:nvPr/>
+            </p:nvSpPr>
+            <p:spPr>
+              <a:xfrm>
+                <a:off x="7087784" y="2835804"/>
+                <a:ext cx="467692" cy="369332"/>
+              </a:xfrm>
+              <a:prstGeom prst="rect">
+                <a:avLst/>
+              </a:prstGeom>
+              <a:noFill/>
+            </p:spPr>
+            <p:txBody>
+              <a:bodyPr wrap="none" rtlCol="0">
+                <a:spAutoFit/>
+              </a:bodyPr>
+              <a:lstStyle/>
+              <a:p>
+                <a14:m>
+                  <m:oMathPara xmlns:m="http://schemas.openxmlformats.org/officeDocument/2006/math">
+                    <m:oMathParaPr>
+                      <m:jc m:val="centerGroup"/>
+                    </m:oMathParaPr>
+                    <m:oMath xmlns:m="http://schemas.openxmlformats.org/officeDocument/2006/math">
+                      <m:sSub>
+                        <m:sSubPr>
+                          <m:ctrlPr>
+                            <a:rPr lang="en-US" b="0" i="1" smtClean="0">
+                              <a:latin typeface="Cambria Math" panose="02040503050406030204" pitchFamily="18" charset="0"/>
+                            </a:rPr>
+                          </m:ctrlPr>
+                        </m:sSubPr>
+                        <m:e>
+                          <m:r>
+                            <a:rPr lang="en-US" b="0" i="1" smtClean="0">
+                              <a:latin typeface="Cambria Math" panose="02040503050406030204" pitchFamily="18" charset="0"/>
+                            </a:rPr>
+                            <m:t>𝑣</m:t>
+                          </m:r>
+                        </m:e>
+                        <m:sub>
+                          <m:r>
+                            <a:rPr lang="en-US" b="0" i="1" smtClean="0">
+                              <a:latin typeface="Cambria Math" panose="02040503050406030204" pitchFamily="18" charset="0"/>
+                            </a:rPr>
+                            <m:t>7</m:t>
+                          </m:r>
+                        </m:sub>
+                      </m:sSub>
+                    </m:oMath>
+                  </m:oMathPara>
+                </a14:m>
+                <a:endParaRPr lang="en-US" dirty="0"/>
+              </a:p>
+            </p:txBody>
+          </p:sp>
+        </mc:Choice>
+        <mc:Fallback>
+          <p:sp>
+            <p:nvSpPr>
+              <p:cNvPr id="41" name="TextBox 40"/>
+              <p:cNvSpPr txBox="1">
+                <a:spLocks noRot="1" noChangeAspect="1" noMove="1" noResize="1" noEditPoints="1" noAdjustHandles="1" noChangeArrowheads="1" noChangeShapeType="1" noTextEdit="1"/>
+              </p:cNvSpPr>
+              <p:nvPr/>
+            </p:nvSpPr>
+            <p:spPr>
+              <a:xfrm>
+                <a:off x="7087784" y="2835804"/>
+                <a:ext cx="467692" cy="369332"/>
+              </a:xfrm>
+              <a:prstGeom prst="rect">
+                <a:avLst/>
+              </a:prstGeom>
+              <a:blipFill rotWithShape="0">
+                <a:blip r:embed="rId20"/>
+                <a:stretch>
+                  <a:fillRect/>
+                </a:stretch>
+              </a:blipFill>
+            </p:spPr>
+            <p:txBody>
+              <a:bodyPr/>
+              <a:lstStyle/>
+              <a:p>
+                <a:r>
+                  <a:rPr lang="en-US">
+                    <a:noFill/>
+                  </a:rPr>
+                  <a:t> </a:t>
+                </a:r>
+              </a:p>
+            </p:txBody>
+          </p:sp>
+        </mc:Fallback>
+      </mc:AlternateContent>
+      <mc:AlternateContent xmlns:mc="http://schemas.openxmlformats.org/markup-compatibility/2006">
+        <mc:Choice xmlns:a14="http://schemas.microsoft.com/office/drawing/2010/main" Requires="a14">
+          <p:sp>
+            <p:nvSpPr>
+              <p:cNvPr id="42" name="TextBox 41"/>
+              <p:cNvSpPr txBox="1"/>
+              <p:nvPr/>
+            </p:nvSpPr>
+            <p:spPr>
+              <a:xfrm>
+                <a:off x="7460553" y="3733979"/>
+                <a:ext cx="467692" cy="369332"/>
+              </a:xfrm>
+              <a:prstGeom prst="rect">
+                <a:avLst/>
+              </a:prstGeom>
+              <a:noFill/>
+            </p:spPr>
+            <p:txBody>
+              <a:bodyPr wrap="none" rtlCol="0">
+                <a:spAutoFit/>
+              </a:bodyPr>
+              <a:lstStyle/>
+              <a:p>
+                <a14:m>
+                  <m:oMathPara xmlns:m="http://schemas.openxmlformats.org/officeDocument/2006/math">
+                    <m:oMathParaPr>
+                      <m:jc m:val="centerGroup"/>
+                    </m:oMathParaPr>
+                    <m:oMath xmlns:m="http://schemas.openxmlformats.org/officeDocument/2006/math">
+                      <m:sSub>
+                        <m:sSubPr>
+                          <m:ctrlPr>
+                            <a:rPr lang="en-US" b="0" i="1" smtClean="0">
+                              <a:latin typeface="Cambria Math" panose="02040503050406030204" pitchFamily="18" charset="0"/>
+                            </a:rPr>
+                          </m:ctrlPr>
+                        </m:sSubPr>
+                        <m:e>
+                          <m:r>
+                            <a:rPr lang="en-US" b="0" i="1" smtClean="0">
+                              <a:latin typeface="Cambria Math" panose="02040503050406030204" pitchFamily="18" charset="0"/>
+                            </a:rPr>
+                            <m:t>𝑣</m:t>
+                          </m:r>
+                        </m:e>
+                        <m:sub>
+                          <m:r>
+                            <a:rPr lang="en-US" b="0" i="1" smtClean="0">
+                              <a:latin typeface="Cambria Math" panose="02040503050406030204" pitchFamily="18" charset="0"/>
+                            </a:rPr>
+                            <m:t>8</m:t>
+                          </m:r>
+                        </m:sub>
+                      </m:sSub>
+                    </m:oMath>
+                  </m:oMathPara>
+                </a14:m>
+                <a:endParaRPr lang="en-US" dirty="0"/>
+              </a:p>
+            </p:txBody>
+          </p:sp>
+        </mc:Choice>
+        <mc:Fallback>
+          <p:sp>
+            <p:nvSpPr>
+              <p:cNvPr id="42" name="TextBox 41"/>
+              <p:cNvSpPr txBox="1">
+                <a:spLocks noRot="1" noChangeAspect="1" noMove="1" noResize="1" noEditPoints="1" noAdjustHandles="1" noChangeArrowheads="1" noChangeShapeType="1" noTextEdit="1"/>
+              </p:cNvSpPr>
+              <p:nvPr/>
+            </p:nvSpPr>
+            <p:spPr>
+              <a:xfrm>
+                <a:off x="7460553" y="3733979"/>
+                <a:ext cx="467692" cy="369332"/>
+              </a:xfrm>
+              <a:prstGeom prst="rect">
+                <a:avLst/>
+              </a:prstGeom>
+              <a:blipFill rotWithShape="0">
+                <a:blip r:embed="rId21"/>
+                <a:stretch>
+                  <a:fillRect/>
+                </a:stretch>
+              </a:blipFill>
+            </p:spPr>
+            <p:txBody>
+              <a:bodyPr/>
+              <a:lstStyle/>
+              <a:p>
+                <a:r>
+                  <a:rPr lang="en-US">
+                    <a:noFill/>
+                  </a:rPr>
+                  <a:t> </a:t>
+                </a:r>
+              </a:p>
+            </p:txBody>
+          </p:sp>
+        </mc:Fallback>
+      </mc:AlternateContent>
+      <p:cxnSp>
+        <p:nvCxnSpPr>
+          <p:cNvPr id="43" name="Straight Arrow Connector 42"/>
+          <p:cNvCxnSpPr/>
+          <p:nvPr/>
+        </p:nvCxnSpPr>
+        <p:spPr>
+          <a:xfrm flipH="1">
+            <a:off x="7501180" y="2756115"/>
+            <a:ext cx="1004809" cy="266054"/>
+          </a:xfrm>
+          <a:prstGeom prst="straightConnector1">
+            <a:avLst/>
+          </a:prstGeom>
+          <a:ln>
+            <a:solidFill>
+              <a:schemeClr val="tx1"/>
+            </a:solidFill>
+            <a:tailEnd type="arrow"/>
+          </a:ln>
+        </p:spPr>
+        <p:style>
+          <a:lnRef idx="1">
+            <a:schemeClr val="accent1"/>
+          </a:lnRef>
+          <a:fillRef idx="0">
+            <a:schemeClr val="accent1"/>
+          </a:fillRef>
+          <a:effectRef idx="0">
+            <a:schemeClr val="accent1"/>
+          </a:effectRef>
+          <a:fontRef idx="minor">
+            <a:schemeClr val="tx1"/>
+          </a:fontRef>
+        </p:style>
+      </p:cxnSp>
+      <p:cxnSp>
+        <p:nvCxnSpPr>
+          <p:cNvPr id="47" name="Straight Arrow Connector 46"/>
+          <p:cNvCxnSpPr/>
+          <p:nvPr/>
+        </p:nvCxnSpPr>
+        <p:spPr>
+          <a:xfrm flipH="1">
+            <a:off x="7764651" y="3512949"/>
+            <a:ext cx="1033224" cy="315132"/>
+          </a:xfrm>
+          <a:prstGeom prst="straightConnector1">
+            <a:avLst/>
+          </a:prstGeom>
+          <a:ln>
+            <a:solidFill>
+              <a:schemeClr val="tx1"/>
+            </a:solidFill>
+            <a:tailEnd type="arrow"/>
+          </a:ln>
+        </p:spPr>
+        <p:style>
+          <a:lnRef idx="1">
+            <a:schemeClr val="accent1"/>
+          </a:lnRef>
+          <a:fillRef idx="0">
+            <a:schemeClr val="accent1"/>
+          </a:fillRef>
+          <a:effectRef idx="0">
+            <a:schemeClr val="accent1"/>
+          </a:effectRef>
+          <a:fontRef idx="minor">
+            <a:schemeClr val="tx1"/>
+          </a:fontRef>
+        </p:style>
+      </p:cxnSp>
+      <p:cxnSp>
+        <p:nvCxnSpPr>
+          <p:cNvPr id="48" name="Straight Arrow Connector 47"/>
+          <p:cNvCxnSpPr/>
+          <p:nvPr/>
+        </p:nvCxnSpPr>
+        <p:spPr>
+          <a:xfrm flipH="1" flipV="1">
+            <a:off x="7330699" y="3177152"/>
+            <a:ext cx="278969" cy="650929"/>
+          </a:xfrm>
+          <a:prstGeom prst="straightConnector1">
+            <a:avLst/>
+          </a:prstGeom>
+          <a:ln>
+            <a:solidFill>
+              <a:schemeClr val="tx1"/>
+            </a:solidFill>
+            <a:tailEnd type="arrow"/>
+          </a:ln>
+        </p:spPr>
+        <p:style>
+          <a:lnRef idx="1">
+            <a:schemeClr val="accent1"/>
+          </a:lnRef>
+          <a:fillRef idx="0">
+            <a:schemeClr val="accent1"/>
+          </a:fillRef>
+          <a:effectRef idx="0">
+            <a:schemeClr val="accent1"/>
+          </a:effectRef>
+          <a:fontRef idx="minor">
+            <a:schemeClr val="tx1"/>
+          </a:fontRef>
+        </p:style>
+      </p:cxnSp>
+      <p:cxnSp>
+        <p:nvCxnSpPr>
+          <p:cNvPr id="55" name="Straight Arrow Connector 54"/>
+          <p:cNvCxnSpPr/>
+          <p:nvPr/>
+        </p:nvCxnSpPr>
+        <p:spPr>
+          <a:xfrm flipH="1">
+            <a:off x="7873139" y="3719593"/>
+            <a:ext cx="1859798" cy="247973"/>
+          </a:xfrm>
+          <a:prstGeom prst="straightConnector1">
+            <a:avLst/>
+          </a:prstGeom>
+          <a:ln>
+            <a:solidFill>
+              <a:schemeClr val="tx1"/>
+            </a:solidFill>
+            <a:tailEnd type="arrow"/>
+          </a:ln>
+        </p:spPr>
+        <p:style>
+          <a:lnRef idx="1">
+            <a:schemeClr val="accent1"/>
+          </a:lnRef>
+          <a:fillRef idx="0">
+            <a:schemeClr val="accent1"/>
+          </a:fillRef>
+          <a:effectRef idx="0">
+            <a:schemeClr val="accent1"/>
+          </a:effectRef>
+          <a:fontRef idx="minor">
+            <a:schemeClr val="tx1"/>
+          </a:fontRef>
+        </p:style>
+      </p:cxnSp>
+      <p:cxnSp>
+        <p:nvCxnSpPr>
+          <p:cNvPr id="58" name="Straight Arrow Connector 57"/>
+          <p:cNvCxnSpPr/>
+          <p:nvPr/>
+        </p:nvCxnSpPr>
+        <p:spPr>
+          <a:xfrm>
+            <a:off x="7669080" y="4119966"/>
+            <a:ext cx="250554" cy="1319939"/>
+          </a:xfrm>
+          <a:prstGeom prst="straightConnector1">
+            <a:avLst/>
+          </a:prstGeom>
+          <a:ln>
+            <a:solidFill>
+              <a:schemeClr val="tx1"/>
+            </a:solidFill>
+            <a:tailEnd type="arrow"/>
+          </a:ln>
+        </p:spPr>
+        <p:style>
+          <a:lnRef idx="1">
+            <a:schemeClr val="accent1"/>
+          </a:lnRef>
+          <a:fillRef idx="0">
+            <a:schemeClr val="accent1"/>
+          </a:fillRef>
+          <a:effectRef idx="0">
+            <a:schemeClr val="accent1"/>
+          </a:effectRef>
+          <a:fontRef idx="minor">
+            <a:schemeClr val="tx1"/>
+          </a:fontRef>
+        </p:style>
+      </p:cxnSp>
+      <mc:AlternateContent xmlns:mc="http://schemas.openxmlformats.org/markup-compatibility/2006">
+        <mc:Choice xmlns:a14="http://schemas.microsoft.com/office/drawing/2010/main" Requires="a14">
+          <p:sp>
+            <p:nvSpPr>
+              <p:cNvPr id="61" name="TextBox 60"/>
+              <p:cNvSpPr txBox="1"/>
+              <p:nvPr/>
+            </p:nvSpPr>
+            <p:spPr>
+              <a:xfrm>
+                <a:off x="7670660" y="5393364"/>
+                <a:ext cx="462883" cy="369332"/>
+              </a:xfrm>
+              <a:prstGeom prst="rect">
+                <a:avLst/>
+              </a:prstGeom>
+              <a:noFill/>
+            </p:spPr>
+            <p:txBody>
+              <a:bodyPr wrap="none" rtlCol="0">
+                <a:spAutoFit/>
+              </a:bodyPr>
+              <a:lstStyle/>
+              <a:p>
+                <a14:m>
+                  <m:oMathPara xmlns:m="http://schemas.openxmlformats.org/officeDocument/2006/math">
+                    <m:oMathParaPr>
+                      <m:jc m:val="centerGroup"/>
+                    </m:oMathParaPr>
+                    <m:oMath xmlns:m="http://schemas.openxmlformats.org/officeDocument/2006/math">
+                      <m:sSub>
+                        <m:sSubPr>
+                          <m:ctrlPr>
+                            <a:rPr lang="en-US" b="0" i="1" smtClean="0">
+                              <a:latin typeface="Cambria Math" panose="02040503050406030204" pitchFamily="18" charset="0"/>
+                            </a:rPr>
+                          </m:ctrlPr>
+                        </m:sSubPr>
+                        <m:e>
+                          <m:r>
+                            <a:rPr lang="en-US" b="0" i="1" smtClean="0">
+                              <a:latin typeface="Cambria Math" panose="02040503050406030204" pitchFamily="18" charset="0"/>
+                            </a:rPr>
+                            <m:t>𝑣</m:t>
+                          </m:r>
+                        </m:e>
+                        <m:sub>
+                          <m:r>
+                            <a:rPr lang="en-US" b="0" i="1" smtClean="0">
+                              <a:latin typeface="Cambria Math" panose="02040503050406030204" pitchFamily="18" charset="0"/>
+                            </a:rPr>
+                            <m:t>9</m:t>
+                          </m:r>
+                        </m:sub>
+                      </m:sSub>
+                    </m:oMath>
+                  </m:oMathPara>
+                </a14:m>
+                <a:endParaRPr lang="en-US" dirty="0"/>
+              </a:p>
+            </p:txBody>
+          </p:sp>
+        </mc:Choice>
+        <mc:Fallback>
+          <p:sp>
+            <p:nvSpPr>
+              <p:cNvPr id="61" name="TextBox 60"/>
+              <p:cNvSpPr txBox="1">
+                <a:spLocks noRot="1" noChangeAspect="1" noMove="1" noResize="1" noEditPoints="1" noAdjustHandles="1" noChangeArrowheads="1" noChangeShapeType="1" noTextEdit="1"/>
+              </p:cNvSpPr>
+              <p:nvPr/>
+            </p:nvSpPr>
+            <p:spPr>
+              <a:xfrm>
+                <a:off x="7670660" y="5393364"/>
+                <a:ext cx="462883" cy="369332"/>
+              </a:xfrm>
+              <a:prstGeom prst="rect">
+                <a:avLst/>
+              </a:prstGeom>
+              <a:blipFill rotWithShape="0">
+                <a:blip r:embed="rId22"/>
+                <a:stretch>
+                  <a:fillRect/>
+                </a:stretch>
+              </a:blipFill>
+            </p:spPr>
+            <p:txBody>
+              <a:bodyPr/>
+              <a:lstStyle/>
+              <a:p>
+                <a:r>
+                  <a:rPr lang="en-US">
+                    <a:noFill/>
+                  </a:rPr>
+                  <a:t> </a:t>
+                </a:r>
+              </a:p>
+            </p:txBody>
+          </p:sp>
+        </mc:Fallback>
+      </mc:AlternateContent>
+      <p:cxnSp>
+        <p:nvCxnSpPr>
+          <p:cNvPr id="63" name="Straight Arrow Connector 62"/>
+          <p:cNvCxnSpPr/>
+          <p:nvPr/>
+        </p:nvCxnSpPr>
+        <p:spPr>
+          <a:xfrm>
+            <a:off x="7279039" y="3249478"/>
+            <a:ext cx="532107" cy="2174929"/>
+          </a:xfrm>
+          <a:prstGeom prst="straightConnector1">
+            <a:avLst/>
+          </a:prstGeom>
+          <a:ln>
+            <a:solidFill>
+              <a:schemeClr val="tx1"/>
+            </a:solidFill>
+            <a:tailEnd type="arrow"/>
+          </a:ln>
+        </p:spPr>
+        <p:style>
+          <a:lnRef idx="1">
+            <a:schemeClr val="accent1"/>
+          </a:lnRef>
+          <a:fillRef idx="0">
+            <a:schemeClr val="accent1"/>
+          </a:fillRef>
+          <a:effectRef idx="0">
+            <a:schemeClr val="accent1"/>
+          </a:effectRef>
+          <a:fontRef idx="minor">
+            <a:schemeClr val="tx1"/>
+          </a:fontRef>
+        </p:style>
+      </p:cxnSp>
+    </p:spTree>
+    <p:extLst>
+      <p:ext uri="{BB962C8B-B14F-4D97-AF65-F5344CB8AC3E}">
+        <p14:creationId xmlns:p14="http://schemas.microsoft.com/office/powerpoint/2010/main" val="292746887"/>
+      </p:ext>
+    </p:extLst>
+  </p:cSld>
+  <p:clrMapOvr>
+    <a:masterClrMapping/>
+  </p:clrMapOvr>
+  <p:timing>
+    <p:tnLst>
+      <p:par>
+        <p:cTn id="1" dur="indefinite" restart="never" nodeType="tmRoot"/>
+      </p:par>
+    </p:tnLst>
+  </p:timing>
 </p:sld>
 </file>
 
